--- a/documentation/Slide - Truco.pptx
+++ b/documentation/Slide - Truco.pptx
@@ -803,7 +803,7 @@
   <p:cSld>
     <p:spTree>
       <p:nvGrpSpPr>
-        <p:cNvPr id="118" name="Shape 118"/>
+        <p:cNvPr id="119" name="Shape 119"/>
         <p:cNvGrpSpPr/>
         <p:nvPr/>
       </p:nvGrpSpPr>
@@ -817,7 +817,7 @@
       </p:grpSpPr>
       <p:sp>
         <p:nvSpPr>
-          <p:cNvPr id="119" name="Google Shape;119;g35ed75ccf_022:notes"/>
+          <p:cNvPr id="120" name="Google Shape;120;g35f391192_073:notes"/>
           <p:cNvSpPr/>
           <p:nvPr>
             <p:ph idx="2" type="sldImg"/>
@@ -852,7 +852,7 @@
       </p:sp>
       <p:sp>
         <p:nvSpPr>
-          <p:cNvPr id="120" name="Google Shape;120;g35ed75ccf_022:notes"/>
+          <p:cNvPr id="121" name="Google Shape;121;g35f391192_073:notes"/>
           <p:cNvSpPr txBox="1"/>
           <p:nvPr>
             <p:ph idx="1" type="body"/>
@@ -902,7 +902,7 @@
   <p:cSld>
     <p:spTree>
       <p:nvGrpSpPr>
-        <p:cNvPr id="125" name="Shape 125"/>
+        <p:cNvPr id="126" name="Shape 126"/>
         <p:cNvGrpSpPr/>
         <p:nvPr/>
       </p:nvGrpSpPr>
@@ -916,7 +916,7 @@
       </p:grpSpPr>
       <p:sp>
         <p:nvSpPr>
-          <p:cNvPr id="126" name="Google Shape;126;g35ed75ccf_028:notes"/>
+          <p:cNvPr id="127" name="Google Shape;127;g35ed75ccf_028:notes"/>
           <p:cNvSpPr/>
           <p:nvPr>
             <p:ph idx="2" type="sldImg"/>
@@ -951,7 +951,7 @@
       </p:sp>
       <p:sp>
         <p:nvSpPr>
-          <p:cNvPr id="127" name="Google Shape;127;g35ed75ccf_028:notes"/>
+          <p:cNvPr id="128" name="Google Shape;128;g35ed75ccf_028:notes"/>
           <p:cNvSpPr txBox="1"/>
           <p:nvPr>
             <p:ph idx="1" type="body"/>
@@ -1114,7 +1114,7 @@
       </p:grpSpPr>
       <p:sp>
         <p:nvSpPr>
-          <p:cNvPr id="72" name="Google Shape;72;g35f391192_09:notes"/>
+          <p:cNvPr id="72" name="Google Shape;72;g3606f1c2d_30:notes"/>
           <p:cNvSpPr/>
           <p:nvPr>
             <p:ph idx="2" type="sldImg"/>
@@ -1149,7 +1149,7 @@
       </p:sp>
       <p:sp>
         <p:nvSpPr>
-          <p:cNvPr id="73" name="Google Shape;73;g35f391192_09:notes"/>
+          <p:cNvPr id="73" name="Google Shape;73;g3606f1c2d_30:notes"/>
           <p:cNvSpPr txBox="1"/>
           <p:nvPr>
             <p:ph idx="1" type="body"/>
@@ -1199,7 +1199,7 @@
   <p:cSld>
     <p:spTree>
       <p:nvGrpSpPr>
-        <p:cNvPr id="77" name="Shape 77"/>
+        <p:cNvPr id="78" name="Shape 78"/>
         <p:cNvGrpSpPr/>
         <p:nvPr/>
       </p:nvGrpSpPr>
@@ -1213,7 +1213,7 @@
       </p:grpSpPr>
       <p:sp>
         <p:nvSpPr>
-          <p:cNvPr id="78" name="Google Shape;78;g3606f1c2d_30:notes"/>
+          <p:cNvPr id="79" name="Google Shape;79;g35f391192_029:notes"/>
           <p:cNvSpPr/>
           <p:nvPr>
             <p:ph idx="2" type="sldImg"/>
@@ -1248,7 +1248,7 @@
       </p:sp>
       <p:sp>
         <p:nvSpPr>
-          <p:cNvPr id="79" name="Google Shape;79;g3606f1c2d_30:notes"/>
+          <p:cNvPr id="80" name="Google Shape;80;g35f391192_029:notes"/>
           <p:cNvSpPr txBox="1"/>
           <p:nvPr>
             <p:ph idx="1" type="body"/>
@@ -1298,7 +1298,7 @@
   <p:cSld>
     <p:spTree>
       <p:nvGrpSpPr>
-        <p:cNvPr id="84" name="Shape 84"/>
+        <p:cNvPr id="83" name="Shape 83"/>
         <p:cNvGrpSpPr/>
         <p:nvPr/>
       </p:nvGrpSpPr>
@@ -1312,7 +1312,7 @@
       </p:grpSpPr>
       <p:sp>
         <p:nvSpPr>
-          <p:cNvPr id="85" name="Google Shape;85;g35f391192_045:notes"/>
+          <p:cNvPr id="84" name="Google Shape;84;g35f391192_045:notes"/>
           <p:cNvSpPr/>
           <p:nvPr>
             <p:ph idx="2" type="sldImg"/>
@@ -1347,7 +1347,7 @@
       </p:sp>
       <p:sp>
         <p:nvSpPr>
-          <p:cNvPr id="86" name="Google Shape;86;g35f391192_045:notes"/>
+          <p:cNvPr id="85" name="Google Shape;85;g35f391192_045:notes"/>
           <p:cNvSpPr txBox="1"/>
           <p:nvPr>
             <p:ph idx="1" type="body"/>
@@ -1397,7 +1397,7 @@
   <p:cSld>
     <p:spTree>
       <p:nvGrpSpPr>
-        <p:cNvPr id="91" name="Shape 91"/>
+        <p:cNvPr id="90" name="Shape 90"/>
         <p:cNvGrpSpPr/>
         <p:nvPr/>
       </p:nvGrpSpPr>
@@ -1411,7 +1411,7 @@
       </p:grpSpPr>
       <p:sp>
         <p:nvSpPr>
-          <p:cNvPr id="92" name="Google Shape;92;g35f391192_029:notes"/>
+          <p:cNvPr id="91" name="Google Shape;91;g597d14fbea_0_0:notes"/>
           <p:cNvSpPr/>
           <p:nvPr>
             <p:ph idx="2" type="sldImg"/>
@@ -1446,7 +1446,7 @@
       </p:sp>
       <p:sp>
         <p:nvSpPr>
-          <p:cNvPr id="93" name="Google Shape;93;g35f391192_029:notes"/>
+          <p:cNvPr id="92" name="Google Shape;92;g597d14fbea_0_0:notes"/>
           <p:cNvSpPr txBox="1"/>
           <p:nvPr>
             <p:ph idx="1" type="body"/>
@@ -1510,7 +1510,7 @@
       </p:grpSpPr>
       <p:sp>
         <p:nvSpPr>
-          <p:cNvPr id="98" name="Google Shape;98;p:notes"/>
+          <p:cNvPr id="98" name="Google Shape;98;g35ed75ccf_022:notes"/>
           <p:cNvSpPr/>
           <p:nvPr>
             <p:ph idx="2" type="sldImg"/>
@@ -1545,7 +1545,7 @@
       </p:sp>
       <p:sp>
         <p:nvSpPr>
-          <p:cNvPr id="99" name="Google Shape;99;p:notes"/>
+          <p:cNvPr id="99" name="Google Shape;99;g35ed75ccf_022:notes"/>
           <p:cNvSpPr txBox="1"/>
           <p:nvPr>
             <p:ph idx="1" type="body"/>
@@ -1595,7 +1595,7 @@
   <p:cSld>
     <p:spTree>
       <p:nvGrpSpPr>
-        <p:cNvPr id="104" name="Shape 104"/>
+        <p:cNvPr id="105" name="Shape 105"/>
         <p:cNvGrpSpPr/>
         <p:nvPr/>
       </p:nvGrpSpPr>
@@ -1609,7 +1609,7 @@
       </p:grpSpPr>
       <p:sp>
         <p:nvSpPr>
-          <p:cNvPr id="105" name="Google Shape;105;g35f391192_017:notes"/>
+          <p:cNvPr id="106" name="Google Shape;106;p:notes"/>
           <p:cNvSpPr/>
           <p:nvPr>
             <p:ph idx="2" type="sldImg"/>
@@ -1644,7 +1644,7 @@
       </p:sp>
       <p:sp>
         <p:nvSpPr>
-          <p:cNvPr id="106" name="Google Shape;106;g35f391192_017:notes"/>
+          <p:cNvPr id="107" name="Google Shape;107;p:notes"/>
           <p:cNvSpPr txBox="1"/>
           <p:nvPr>
             <p:ph idx="1" type="body"/>
@@ -1694,7 +1694,7 @@
   <p:cSld>
     <p:spTree>
       <p:nvGrpSpPr>
-        <p:cNvPr id="111" name="Shape 111"/>
+        <p:cNvPr id="112" name="Shape 112"/>
         <p:cNvGrpSpPr/>
         <p:nvPr/>
       </p:nvGrpSpPr>
@@ -1708,7 +1708,7 @@
       </p:grpSpPr>
       <p:sp>
         <p:nvSpPr>
-          <p:cNvPr id="112" name="Google Shape;112;g35f391192_073:notes"/>
+          <p:cNvPr id="113" name="Google Shape;113;g35f391192_017:notes"/>
           <p:cNvSpPr/>
           <p:nvPr>
             <p:ph idx="2" type="sldImg"/>
@@ -1743,7 +1743,7 @@
       </p:sp>
       <p:sp>
         <p:nvSpPr>
-          <p:cNvPr id="113" name="Google Shape;113;g35f391192_073:notes"/>
+          <p:cNvPr id="114" name="Google Shape;114;g35f391192_017:notes"/>
           <p:cNvSpPr txBox="1"/>
           <p:nvPr>
             <p:ph idx="1" type="body"/>
@@ -6956,7 +6956,7 @@
     </p:bg>
     <p:spTree>
       <p:nvGrpSpPr>
-        <p:cNvPr id="121" name="Shape 121"/>
+        <p:cNvPr id="122" name="Shape 122"/>
         <p:cNvGrpSpPr/>
         <p:nvPr/>
       </p:nvGrpSpPr>
@@ -6970,7 +6970,47 @@
       </p:grpSpPr>
       <p:sp>
         <p:nvSpPr>
-          <p:cNvPr id="122" name="Google Shape;122;p22"/>
+          <p:cNvPr id="123" name="Google Shape;123;p22"/>
+          <p:cNvSpPr txBox="1"/>
+          <p:nvPr>
+            <p:ph type="title"/>
+          </p:nvPr>
+        </p:nvSpPr>
+        <p:spPr>
+          <a:xfrm>
+            <a:off x="699000" y="911700"/>
+            <a:ext cx="2020800" cy="3327600"/>
+          </a:xfrm>
+          <a:prstGeom prst="rect">
+            <a:avLst/>
+          </a:prstGeom>
+        </p:spPr>
+        <p:txBody>
+          <a:bodyPr anchorCtr="0" anchor="ctr" bIns="0" lIns="0" spcFirstLastPara="1" rIns="0" wrap="square" tIns="0">
+            <a:noAutofit/>
+          </a:bodyPr>
+          <a:lstStyle/>
+          <a:p>
+            <a:pPr indent="0" lvl="0" marL="0" rtl="0" algn="ctr">
+              <a:spcBef>
+                <a:spcPts val="0"/>
+              </a:spcBef>
+              <a:spcAft>
+                <a:spcPts val="0"/>
+              </a:spcAft>
+              <a:buNone/>
+            </a:pPr>
+            <a:r>
+              <a:rPr lang="en"/>
+              <a:t>MODELS</a:t>
+            </a:r>
+            <a:endParaRPr/>
+          </a:p>
+        </p:txBody>
+      </p:sp>
+      <p:sp>
+        <p:nvSpPr>
+          <p:cNvPr id="124" name="Google Shape;124;p22"/>
           <p:cNvSpPr txBox="1"/>
           <p:nvPr>
             <p:ph idx="12" type="sldNum"/>
@@ -7010,1654 +7050,19 @@
       </p:sp>
       <p:sp>
         <p:nvSpPr>
-          <p:cNvPr id="123" name="Google Shape;123;p22"/>
+          <p:cNvPr id="125" name="Google Shape;125;p22"/>
           <p:cNvSpPr txBox="1"/>
-          <p:nvPr>
-            <p:ph idx="4294967295" type="ctrTitle"/>
-          </p:nvPr>
+          <p:nvPr/>
         </p:nvSpPr>
         <p:spPr>
           <a:xfrm>
-            <a:off x="723300" y="2226150"/>
-            <a:ext cx="7697400" cy="1159800"/>
+            <a:off x="3350868" y="395647"/>
+            <a:ext cx="6663600" cy="4747800"/>
           </a:xfrm>
           <a:prstGeom prst="rect">
             <a:avLst/>
           </a:prstGeom>
-        </p:spPr>
-        <p:txBody>
-          <a:bodyPr anchorCtr="0" anchor="ctr" bIns="0" lIns="0" spcFirstLastPara="1" rIns="0" wrap="square" tIns="0">
-            <a:noAutofit/>
-          </a:bodyPr>
-          <a:lstStyle/>
-          <a:p>
-            <a:pPr indent="0" lvl="0" marL="0" rtl="0" algn="ctr">
-              <a:spcBef>
-                <a:spcPts val="0"/>
-              </a:spcBef>
-              <a:spcAft>
-                <a:spcPts val="0"/>
-              </a:spcAft>
-              <a:buNone/>
-            </a:pPr>
-            <a:r>
-              <a:rPr lang="en" sz="6000"/>
-              <a:t>FLUXO</a:t>
-            </a:r>
-            <a:endParaRPr sz="6000"/>
-          </a:p>
-        </p:txBody>
-      </p:sp>
-      <p:sp>
-        <p:nvSpPr>
-          <p:cNvPr id="124" name="Google Shape;124;p22"/>
-          <p:cNvSpPr/>
-          <p:nvPr/>
-        </p:nvSpPr>
-        <p:spPr>
-          <a:xfrm>
-            <a:off x="4127625" y="1102328"/>
-            <a:ext cx="888759" cy="818862"/>
-          </a:xfrm>
-          <a:custGeom>
-            <a:rect b="b" l="l" r="r" t="t"/>
-            <a:pathLst>
-              <a:path extrusionOk="0" h="15403" w="16717">
-                <a:moveTo>
-                  <a:pt x="9149" y="511"/>
-                </a:moveTo>
-                <a:lnTo>
-                  <a:pt x="9587" y="560"/>
-                </a:lnTo>
-                <a:lnTo>
-                  <a:pt x="10025" y="608"/>
-                </a:lnTo>
-                <a:lnTo>
-                  <a:pt x="10439" y="681"/>
-                </a:lnTo>
-                <a:lnTo>
-                  <a:pt x="10877" y="779"/>
-                </a:lnTo>
-                <a:lnTo>
-                  <a:pt x="11290" y="900"/>
-                </a:lnTo>
-                <a:lnTo>
-                  <a:pt x="11704" y="1046"/>
-                </a:lnTo>
-                <a:lnTo>
-                  <a:pt x="12093" y="1217"/>
-                </a:lnTo>
-                <a:lnTo>
-                  <a:pt x="12483" y="1411"/>
-                </a:lnTo>
-                <a:lnTo>
-                  <a:pt x="12994" y="1703"/>
-                </a:lnTo>
-                <a:lnTo>
-                  <a:pt x="13505" y="2020"/>
-                </a:lnTo>
-                <a:lnTo>
-                  <a:pt x="13967" y="2360"/>
-                </a:lnTo>
-                <a:lnTo>
-                  <a:pt x="14210" y="2555"/>
-                </a:lnTo>
-                <a:lnTo>
-                  <a:pt x="14405" y="2750"/>
-                </a:lnTo>
-                <a:lnTo>
-                  <a:pt x="14332" y="2871"/>
-                </a:lnTo>
-                <a:lnTo>
-                  <a:pt x="14308" y="3017"/>
-                </a:lnTo>
-                <a:lnTo>
-                  <a:pt x="14308" y="3066"/>
-                </a:lnTo>
-                <a:lnTo>
-                  <a:pt x="14332" y="3090"/>
-                </a:lnTo>
-                <a:lnTo>
-                  <a:pt x="14405" y="3139"/>
-                </a:lnTo>
-                <a:lnTo>
-                  <a:pt x="14478" y="3139"/>
-                </a:lnTo>
-                <a:lnTo>
-                  <a:pt x="14551" y="3090"/>
-                </a:lnTo>
-                <a:lnTo>
-                  <a:pt x="14624" y="2993"/>
-                </a:lnTo>
-                <a:lnTo>
-                  <a:pt x="14867" y="3285"/>
-                </a:lnTo>
-                <a:lnTo>
-                  <a:pt x="14770" y="3358"/>
-                </a:lnTo>
-                <a:lnTo>
-                  <a:pt x="14697" y="3431"/>
-                </a:lnTo>
-                <a:lnTo>
-                  <a:pt x="14600" y="3601"/>
-                </a:lnTo>
-                <a:lnTo>
-                  <a:pt x="14575" y="3674"/>
-                </a:lnTo>
-                <a:lnTo>
-                  <a:pt x="14575" y="3723"/>
-                </a:lnTo>
-                <a:lnTo>
-                  <a:pt x="14575" y="3772"/>
-                </a:lnTo>
-                <a:lnTo>
-                  <a:pt x="14600" y="3796"/>
-                </a:lnTo>
-                <a:lnTo>
-                  <a:pt x="14648" y="3796"/>
-                </a:lnTo>
-                <a:lnTo>
-                  <a:pt x="14721" y="3772"/>
-                </a:lnTo>
-                <a:lnTo>
-                  <a:pt x="14867" y="3699"/>
-                </a:lnTo>
-                <a:lnTo>
-                  <a:pt x="15086" y="3601"/>
-                </a:lnTo>
-                <a:lnTo>
-                  <a:pt x="15208" y="3820"/>
-                </a:lnTo>
-                <a:lnTo>
-                  <a:pt x="15305" y="4064"/>
-                </a:lnTo>
-                <a:lnTo>
-                  <a:pt x="15111" y="4137"/>
-                </a:lnTo>
-                <a:lnTo>
-                  <a:pt x="15013" y="4185"/>
-                </a:lnTo>
-                <a:lnTo>
-                  <a:pt x="14916" y="4234"/>
-                </a:lnTo>
-                <a:lnTo>
-                  <a:pt x="14892" y="4307"/>
-                </a:lnTo>
-                <a:lnTo>
-                  <a:pt x="14892" y="4380"/>
-                </a:lnTo>
-                <a:lnTo>
-                  <a:pt x="14940" y="4429"/>
-                </a:lnTo>
-                <a:lnTo>
-                  <a:pt x="15013" y="4453"/>
-                </a:lnTo>
-                <a:lnTo>
-                  <a:pt x="15135" y="4453"/>
-                </a:lnTo>
-                <a:lnTo>
-                  <a:pt x="15232" y="4429"/>
-                </a:lnTo>
-                <a:lnTo>
-                  <a:pt x="15427" y="4380"/>
-                </a:lnTo>
-                <a:lnTo>
-                  <a:pt x="15573" y="4915"/>
-                </a:lnTo>
-                <a:lnTo>
-                  <a:pt x="15403" y="4964"/>
-                </a:lnTo>
-                <a:lnTo>
-                  <a:pt x="15232" y="5061"/>
-                </a:lnTo>
-                <a:lnTo>
-                  <a:pt x="15086" y="5183"/>
-                </a:lnTo>
-                <a:lnTo>
-                  <a:pt x="15038" y="5256"/>
-                </a:lnTo>
-                <a:lnTo>
-                  <a:pt x="15013" y="5329"/>
-                </a:lnTo>
-                <a:lnTo>
-                  <a:pt x="15013" y="5378"/>
-                </a:lnTo>
-                <a:lnTo>
-                  <a:pt x="15038" y="5402"/>
-                </a:lnTo>
-                <a:lnTo>
-                  <a:pt x="15062" y="5426"/>
-                </a:lnTo>
-                <a:lnTo>
-                  <a:pt x="15111" y="5451"/>
-                </a:lnTo>
-                <a:lnTo>
-                  <a:pt x="15208" y="5451"/>
-                </a:lnTo>
-                <a:lnTo>
-                  <a:pt x="15305" y="5426"/>
-                </a:lnTo>
-                <a:lnTo>
-                  <a:pt x="15476" y="5353"/>
-                </a:lnTo>
-                <a:lnTo>
-                  <a:pt x="15695" y="5305"/>
-                </a:lnTo>
-                <a:lnTo>
-                  <a:pt x="15792" y="5743"/>
-                </a:lnTo>
-                <a:lnTo>
-                  <a:pt x="15622" y="5816"/>
-                </a:lnTo>
-                <a:lnTo>
-                  <a:pt x="15451" y="5864"/>
-                </a:lnTo>
-                <a:lnTo>
-                  <a:pt x="15305" y="5937"/>
-                </a:lnTo>
-                <a:lnTo>
-                  <a:pt x="15159" y="6035"/>
-                </a:lnTo>
-                <a:lnTo>
-                  <a:pt x="15013" y="6132"/>
-                </a:lnTo>
-                <a:lnTo>
-                  <a:pt x="15013" y="6181"/>
-                </a:lnTo>
-                <a:lnTo>
-                  <a:pt x="15013" y="6205"/>
-                </a:lnTo>
-                <a:lnTo>
-                  <a:pt x="15038" y="6229"/>
-                </a:lnTo>
-                <a:lnTo>
-                  <a:pt x="15403" y="6229"/>
-                </a:lnTo>
-                <a:lnTo>
-                  <a:pt x="15719" y="6181"/>
-                </a:lnTo>
-                <a:lnTo>
-                  <a:pt x="15914" y="6156"/>
-                </a:lnTo>
-                <a:lnTo>
-                  <a:pt x="16035" y="6594"/>
-                </a:lnTo>
-                <a:lnTo>
-                  <a:pt x="15768" y="6691"/>
-                </a:lnTo>
-                <a:lnTo>
-                  <a:pt x="15549" y="6764"/>
-                </a:lnTo>
-                <a:lnTo>
-                  <a:pt x="15184" y="6910"/>
-                </a:lnTo>
-                <a:lnTo>
-                  <a:pt x="15135" y="6935"/>
-                </a:lnTo>
-                <a:lnTo>
-                  <a:pt x="15062" y="6983"/>
-                </a:lnTo>
-                <a:lnTo>
-                  <a:pt x="15038" y="7032"/>
-                </a:lnTo>
-                <a:lnTo>
-                  <a:pt x="15013" y="7081"/>
-                </a:lnTo>
-                <a:lnTo>
-                  <a:pt x="15038" y="7056"/>
-                </a:lnTo>
-                <a:lnTo>
-                  <a:pt x="15013" y="7105"/>
-                </a:lnTo>
-                <a:lnTo>
-                  <a:pt x="15013" y="7129"/>
-                </a:lnTo>
-                <a:lnTo>
-                  <a:pt x="15038" y="7154"/>
-                </a:lnTo>
-                <a:lnTo>
-                  <a:pt x="15086" y="7202"/>
-                </a:lnTo>
-                <a:lnTo>
-                  <a:pt x="15208" y="7227"/>
-                </a:lnTo>
-                <a:lnTo>
-                  <a:pt x="15403" y="7227"/>
-                </a:lnTo>
-                <a:lnTo>
-                  <a:pt x="15622" y="7178"/>
-                </a:lnTo>
-                <a:lnTo>
-                  <a:pt x="15841" y="7129"/>
-                </a:lnTo>
-                <a:lnTo>
-                  <a:pt x="16108" y="7056"/>
-                </a:lnTo>
-                <a:lnTo>
-                  <a:pt x="16108" y="7397"/>
-                </a:lnTo>
-                <a:lnTo>
-                  <a:pt x="16108" y="7713"/>
-                </a:lnTo>
-                <a:lnTo>
-                  <a:pt x="16035" y="7713"/>
-                </a:lnTo>
-                <a:lnTo>
-                  <a:pt x="15670" y="7762"/>
-                </a:lnTo>
-                <a:lnTo>
-                  <a:pt x="15330" y="7786"/>
-                </a:lnTo>
-                <a:lnTo>
-                  <a:pt x="14965" y="7835"/>
-                </a:lnTo>
-                <a:lnTo>
-                  <a:pt x="14600" y="7932"/>
-                </a:lnTo>
-                <a:lnTo>
-                  <a:pt x="14575" y="7957"/>
-                </a:lnTo>
-                <a:lnTo>
-                  <a:pt x="14575" y="7981"/>
-                </a:lnTo>
-                <a:lnTo>
-                  <a:pt x="14575" y="8005"/>
-                </a:lnTo>
-                <a:lnTo>
-                  <a:pt x="14600" y="8030"/>
-                </a:lnTo>
-                <a:lnTo>
-                  <a:pt x="15330" y="8151"/>
-                </a:lnTo>
-                <a:lnTo>
-                  <a:pt x="15500" y="8176"/>
-                </a:lnTo>
-                <a:lnTo>
-                  <a:pt x="15695" y="8200"/>
-                </a:lnTo>
-                <a:lnTo>
-                  <a:pt x="15865" y="8176"/>
-                </a:lnTo>
-                <a:lnTo>
-                  <a:pt x="16035" y="8127"/>
-                </a:lnTo>
-                <a:lnTo>
-                  <a:pt x="16035" y="8176"/>
-                </a:lnTo>
-                <a:lnTo>
-                  <a:pt x="15938" y="8565"/>
-                </a:lnTo>
-                <a:lnTo>
-                  <a:pt x="15816" y="8930"/>
-                </a:lnTo>
-                <a:lnTo>
-                  <a:pt x="15524" y="8881"/>
-                </a:lnTo>
-                <a:lnTo>
-                  <a:pt x="15232" y="8833"/>
-                </a:lnTo>
-                <a:lnTo>
-                  <a:pt x="15013" y="8784"/>
-                </a:lnTo>
-                <a:lnTo>
-                  <a:pt x="14794" y="8760"/>
-                </a:lnTo>
-                <a:lnTo>
-                  <a:pt x="14332" y="8784"/>
-                </a:lnTo>
-                <a:lnTo>
-                  <a:pt x="14308" y="8784"/>
-                </a:lnTo>
-                <a:lnTo>
-                  <a:pt x="14308" y="8808"/>
-                </a:lnTo>
-                <a:lnTo>
-                  <a:pt x="14308" y="8833"/>
-                </a:lnTo>
-                <a:lnTo>
-                  <a:pt x="14332" y="8833"/>
-                </a:lnTo>
-                <a:lnTo>
-                  <a:pt x="14478" y="8881"/>
-                </a:lnTo>
-                <a:lnTo>
-                  <a:pt x="14624" y="8954"/>
-                </a:lnTo>
-                <a:lnTo>
-                  <a:pt x="14965" y="9125"/>
-                </a:lnTo>
-                <a:lnTo>
-                  <a:pt x="15281" y="9271"/>
-                </a:lnTo>
-                <a:lnTo>
-                  <a:pt x="15451" y="9319"/>
-                </a:lnTo>
-                <a:lnTo>
-                  <a:pt x="15622" y="9368"/>
-                </a:lnTo>
-                <a:lnTo>
-                  <a:pt x="15500" y="9636"/>
-                </a:lnTo>
-                <a:lnTo>
-                  <a:pt x="15354" y="9903"/>
-                </a:lnTo>
-                <a:lnTo>
-                  <a:pt x="15135" y="9782"/>
-                </a:lnTo>
-                <a:lnTo>
-                  <a:pt x="14916" y="9684"/>
-                </a:lnTo>
-                <a:lnTo>
-                  <a:pt x="14429" y="9563"/>
-                </a:lnTo>
-                <a:lnTo>
-                  <a:pt x="14210" y="9490"/>
-                </a:lnTo>
-                <a:lnTo>
-                  <a:pt x="13943" y="9441"/>
-                </a:lnTo>
-                <a:lnTo>
-                  <a:pt x="13699" y="9417"/>
-                </a:lnTo>
-                <a:lnTo>
-                  <a:pt x="13553" y="9417"/>
-                </a:lnTo>
-                <a:lnTo>
-                  <a:pt x="13456" y="9465"/>
-                </a:lnTo>
-                <a:lnTo>
-                  <a:pt x="13432" y="9490"/>
-                </a:lnTo>
-                <a:lnTo>
-                  <a:pt x="13432" y="9514"/>
-                </a:lnTo>
-                <a:lnTo>
-                  <a:pt x="13578" y="9636"/>
-                </a:lnTo>
-                <a:lnTo>
-                  <a:pt x="13772" y="9733"/>
-                </a:lnTo>
-                <a:lnTo>
-                  <a:pt x="14137" y="9855"/>
-                </a:lnTo>
-                <a:lnTo>
-                  <a:pt x="14648" y="10049"/>
-                </a:lnTo>
-                <a:lnTo>
-                  <a:pt x="14892" y="10147"/>
-                </a:lnTo>
-                <a:lnTo>
-                  <a:pt x="15135" y="10244"/>
-                </a:lnTo>
-                <a:lnTo>
-                  <a:pt x="14794" y="10706"/>
-                </a:lnTo>
-                <a:lnTo>
-                  <a:pt x="14721" y="10658"/>
-                </a:lnTo>
-                <a:lnTo>
-                  <a:pt x="14624" y="10633"/>
-                </a:lnTo>
-                <a:lnTo>
-                  <a:pt x="14405" y="10560"/>
-                </a:lnTo>
-                <a:lnTo>
-                  <a:pt x="13991" y="10512"/>
-                </a:lnTo>
-                <a:lnTo>
-                  <a:pt x="13772" y="10439"/>
-                </a:lnTo>
-                <a:lnTo>
-                  <a:pt x="13505" y="10366"/>
-                </a:lnTo>
-                <a:lnTo>
-                  <a:pt x="13359" y="10341"/>
-                </a:lnTo>
-                <a:lnTo>
-                  <a:pt x="13213" y="10317"/>
-                </a:lnTo>
-                <a:lnTo>
-                  <a:pt x="13115" y="10341"/>
-                </a:lnTo>
-                <a:lnTo>
-                  <a:pt x="12994" y="10390"/>
-                </a:lnTo>
-                <a:lnTo>
-                  <a:pt x="12994" y="10414"/>
-                </a:lnTo>
-                <a:lnTo>
-                  <a:pt x="13018" y="10536"/>
-                </a:lnTo>
-                <a:lnTo>
-                  <a:pt x="13091" y="10609"/>
-                </a:lnTo>
-                <a:lnTo>
-                  <a:pt x="13188" y="10682"/>
-                </a:lnTo>
-                <a:lnTo>
-                  <a:pt x="13310" y="10731"/>
-                </a:lnTo>
-                <a:lnTo>
-                  <a:pt x="13553" y="10828"/>
-                </a:lnTo>
-                <a:lnTo>
-                  <a:pt x="13772" y="10877"/>
-                </a:lnTo>
-                <a:lnTo>
-                  <a:pt x="14113" y="10998"/>
-                </a:lnTo>
-                <a:lnTo>
-                  <a:pt x="14308" y="11047"/>
-                </a:lnTo>
-                <a:lnTo>
-                  <a:pt x="14502" y="11071"/>
-                </a:lnTo>
-                <a:lnTo>
-                  <a:pt x="14089" y="11509"/>
-                </a:lnTo>
-                <a:lnTo>
-                  <a:pt x="13943" y="11412"/>
-                </a:lnTo>
-                <a:lnTo>
-                  <a:pt x="13772" y="11339"/>
-                </a:lnTo>
-                <a:lnTo>
-                  <a:pt x="13432" y="11242"/>
-                </a:lnTo>
-                <a:lnTo>
-                  <a:pt x="13067" y="11144"/>
-                </a:lnTo>
-                <a:lnTo>
-                  <a:pt x="12702" y="11071"/>
-                </a:lnTo>
-                <a:lnTo>
-                  <a:pt x="12337" y="11047"/>
-                </a:lnTo>
-                <a:lnTo>
-                  <a:pt x="11972" y="11096"/>
-                </a:lnTo>
-                <a:lnTo>
-                  <a:pt x="11947" y="11096"/>
-                </a:lnTo>
-                <a:lnTo>
-                  <a:pt x="11899" y="11120"/>
-                </a:lnTo>
-                <a:lnTo>
-                  <a:pt x="11874" y="11193"/>
-                </a:lnTo>
-                <a:lnTo>
-                  <a:pt x="11850" y="11266"/>
-                </a:lnTo>
-                <a:lnTo>
-                  <a:pt x="11874" y="11290"/>
-                </a:lnTo>
-                <a:lnTo>
-                  <a:pt x="11899" y="11363"/>
-                </a:lnTo>
-                <a:lnTo>
-                  <a:pt x="11972" y="11412"/>
-                </a:lnTo>
-                <a:lnTo>
-                  <a:pt x="12580" y="11509"/>
-                </a:lnTo>
-                <a:lnTo>
-                  <a:pt x="12872" y="11582"/>
-                </a:lnTo>
-                <a:lnTo>
-                  <a:pt x="13164" y="11655"/>
-                </a:lnTo>
-                <a:lnTo>
-                  <a:pt x="13432" y="11753"/>
-                </a:lnTo>
-                <a:lnTo>
-                  <a:pt x="13675" y="11850"/>
-                </a:lnTo>
-                <a:lnTo>
-                  <a:pt x="13359" y="12118"/>
-                </a:lnTo>
-                <a:lnTo>
-                  <a:pt x="13018" y="12337"/>
-                </a:lnTo>
-                <a:lnTo>
-                  <a:pt x="12994" y="12288"/>
-                </a:lnTo>
-                <a:lnTo>
-                  <a:pt x="12945" y="12239"/>
-                </a:lnTo>
-                <a:lnTo>
-                  <a:pt x="12775" y="12166"/>
-                </a:lnTo>
-                <a:lnTo>
-                  <a:pt x="12604" y="12142"/>
-                </a:lnTo>
-                <a:lnTo>
-                  <a:pt x="12410" y="12118"/>
-                </a:lnTo>
-                <a:lnTo>
-                  <a:pt x="12215" y="12069"/>
-                </a:lnTo>
-                <a:lnTo>
-                  <a:pt x="11850" y="11947"/>
-                </a:lnTo>
-                <a:lnTo>
-                  <a:pt x="11558" y="11826"/>
-                </a:lnTo>
-                <a:lnTo>
-                  <a:pt x="11242" y="11704"/>
-                </a:lnTo>
-                <a:lnTo>
-                  <a:pt x="11096" y="11655"/>
-                </a:lnTo>
-                <a:lnTo>
-                  <a:pt x="10950" y="11607"/>
-                </a:lnTo>
-                <a:lnTo>
-                  <a:pt x="10779" y="11582"/>
-                </a:lnTo>
-                <a:lnTo>
-                  <a:pt x="10633" y="11582"/>
-                </a:lnTo>
-                <a:lnTo>
-                  <a:pt x="10609" y="11607"/>
-                </a:lnTo>
-                <a:lnTo>
-                  <a:pt x="10609" y="11655"/>
-                </a:lnTo>
-                <a:lnTo>
-                  <a:pt x="10682" y="11753"/>
-                </a:lnTo>
-                <a:lnTo>
-                  <a:pt x="10804" y="11874"/>
-                </a:lnTo>
-                <a:lnTo>
-                  <a:pt x="10925" y="11947"/>
-                </a:lnTo>
-                <a:lnTo>
-                  <a:pt x="11047" y="12045"/>
-                </a:lnTo>
-                <a:lnTo>
-                  <a:pt x="11315" y="12166"/>
-                </a:lnTo>
-                <a:lnTo>
-                  <a:pt x="11582" y="12288"/>
-                </a:lnTo>
-                <a:lnTo>
-                  <a:pt x="11826" y="12385"/>
-                </a:lnTo>
-                <a:lnTo>
-                  <a:pt x="12093" y="12483"/>
-                </a:lnTo>
-                <a:lnTo>
-                  <a:pt x="12361" y="12556"/>
-                </a:lnTo>
-                <a:lnTo>
-                  <a:pt x="12507" y="12580"/>
-                </a:lnTo>
-                <a:lnTo>
-                  <a:pt x="12629" y="12580"/>
-                </a:lnTo>
-                <a:lnTo>
-                  <a:pt x="12239" y="12799"/>
-                </a:lnTo>
-                <a:lnTo>
-                  <a:pt x="11850" y="12969"/>
-                </a:lnTo>
-                <a:lnTo>
-                  <a:pt x="11801" y="12921"/>
-                </a:lnTo>
-                <a:lnTo>
-                  <a:pt x="11680" y="12823"/>
-                </a:lnTo>
-                <a:lnTo>
-                  <a:pt x="11558" y="12775"/>
-                </a:lnTo>
-                <a:lnTo>
-                  <a:pt x="11266" y="12677"/>
-                </a:lnTo>
-                <a:lnTo>
-                  <a:pt x="10998" y="12604"/>
-                </a:lnTo>
-                <a:lnTo>
-                  <a:pt x="10731" y="12531"/>
-                </a:lnTo>
-                <a:lnTo>
-                  <a:pt x="10585" y="12458"/>
-                </a:lnTo>
-                <a:lnTo>
-                  <a:pt x="10439" y="12385"/>
-                </a:lnTo>
-                <a:lnTo>
-                  <a:pt x="10171" y="12239"/>
-                </a:lnTo>
-                <a:lnTo>
-                  <a:pt x="10025" y="12166"/>
-                </a:lnTo>
-                <a:lnTo>
-                  <a:pt x="9879" y="12118"/>
-                </a:lnTo>
-                <a:lnTo>
-                  <a:pt x="9733" y="12093"/>
-                </a:lnTo>
-                <a:lnTo>
-                  <a:pt x="9563" y="12093"/>
-                </a:lnTo>
-                <a:lnTo>
-                  <a:pt x="9514" y="12118"/>
-                </a:lnTo>
-                <a:lnTo>
-                  <a:pt x="9490" y="12142"/>
-                </a:lnTo>
-                <a:lnTo>
-                  <a:pt x="9490" y="12191"/>
-                </a:lnTo>
-                <a:lnTo>
-                  <a:pt x="9514" y="12215"/>
-                </a:lnTo>
-                <a:lnTo>
-                  <a:pt x="9733" y="12410"/>
-                </a:lnTo>
-                <a:lnTo>
-                  <a:pt x="9952" y="12580"/>
-                </a:lnTo>
-                <a:lnTo>
-                  <a:pt x="10220" y="12750"/>
-                </a:lnTo>
-                <a:lnTo>
-                  <a:pt x="10463" y="12872"/>
-                </a:lnTo>
-                <a:lnTo>
-                  <a:pt x="10682" y="12969"/>
-                </a:lnTo>
-                <a:lnTo>
-                  <a:pt x="10901" y="13042"/>
-                </a:lnTo>
-                <a:lnTo>
-                  <a:pt x="11363" y="13188"/>
-                </a:lnTo>
-                <a:lnTo>
-                  <a:pt x="10852" y="13359"/>
-                </a:lnTo>
-                <a:lnTo>
-                  <a:pt x="10317" y="13505"/>
-                </a:lnTo>
-                <a:lnTo>
-                  <a:pt x="10317" y="13480"/>
-                </a:lnTo>
-                <a:lnTo>
-                  <a:pt x="10366" y="13359"/>
-                </a:lnTo>
-                <a:lnTo>
-                  <a:pt x="10366" y="13310"/>
-                </a:lnTo>
-                <a:lnTo>
-                  <a:pt x="10342" y="13261"/>
-                </a:lnTo>
-                <a:lnTo>
-                  <a:pt x="10293" y="13213"/>
-                </a:lnTo>
-                <a:lnTo>
-                  <a:pt x="10244" y="13164"/>
-                </a:lnTo>
-                <a:lnTo>
-                  <a:pt x="9198" y="12604"/>
-                </a:lnTo>
-                <a:lnTo>
-                  <a:pt x="9028" y="12507"/>
-                </a:lnTo>
-                <a:lnTo>
-                  <a:pt x="8809" y="12410"/>
-                </a:lnTo>
-                <a:lnTo>
-                  <a:pt x="8711" y="12385"/>
-                </a:lnTo>
-                <a:lnTo>
-                  <a:pt x="8590" y="12361"/>
-                </a:lnTo>
-                <a:lnTo>
-                  <a:pt x="8492" y="12385"/>
-                </a:lnTo>
-                <a:lnTo>
-                  <a:pt x="8419" y="12434"/>
-                </a:lnTo>
-                <a:lnTo>
-                  <a:pt x="8419" y="12458"/>
-                </a:lnTo>
-                <a:lnTo>
-                  <a:pt x="8444" y="12556"/>
-                </a:lnTo>
-                <a:lnTo>
-                  <a:pt x="8517" y="12629"/>
-                </a:lnTo>
-                <a:lnTo>
-                  <a:pt x="8687" y="12799"/>
-                </a:lnTo>
-                <a:lnTo>
-                  <a:pt x="9028" y="13042"/>
-                </a:lnTo>
-                <a:lnTo>
-                  <a:pt x="9490" y="13334"/>
-                </a:lnTo>
-                <a:lnTo>
-                  <a:pt x="9733" y="13456"/>
-                </a:lnTo>
-                <a:lnTo>
-                  <a:pt x="10001" y="13553"/>
-                </a:lnTo>
-                <a:lnTo>
-                  <a:pt x="9539" y="13651"/>
-                </a:lnTo>
-                <a:lnTo>
-                  <a:pt x="9076" y="13699"/>
-                </a:lnTo>
-                <a:lnTo>
-                  <a:pt x="9052" y="13651"/>
-                </a:lnTo>
-                <a:lnTo>
-                  <a:pt x="8857" y="13480"/>
-                </a:lnTo>
-                <a:lnTo>
-                  <a:pt x="8638" y="13334"/>
-                </a:lnTo>
-                <a:lnTo>
-                  <a:pt x="8176" y="13067"/>
-                </a:lnTo>
-                <a:lnTo>
-                  <a:pt x="7762" y="12799"/>
-                </a:lnTo>
-                <a:lnTo>
-                  <a:pt x="7568" y="12677"/>
-                </a:lnTo>
-                <a:lnTo>
-                  <a:pt x="7349" y="12604"/>
-                </a:lnTo>
-                <a:lnTo>
-                  <a:pt x="7300" y="12604"/>
-                </a:lnTo>
-                <a:lnTo>
-                  <a:pt x="7276" y="12653"/>
-                </a:lnTo>
-                <a:lnTo>
-                  <a:pt x="7276" y="12775"/>
-                </a:lnTo>
-                <a:lnTo>
-                  <a:pt x="7300" y="12872"/>
-                </a:lnTo>
-                <a:lnTo>
-                  <a:pt x="7373" y="12969"/>
-                </a:lnTo>
-                <a:lnTo>
-                  <a:pt x="7446" y="13042"/>
-                </a:lnTo>
-                <a:lnTo>
-                  <a:pt x="7616" y="13213"/>
-                </a:lnTo>
-                <a:lnTo>
-                  <a:pt x="7787" y="13334"/>
-                </a:lnTo>
-                <a:lnTo>
-                  <a:pt x="8103" y="13553"/>
-                </a:lnTo>
-                <a:lnTo>
-                  <a:pt x="8444" y="13748"/>
-                </a:lnTo>
-                <a:lnTo>
-                  <a:pt x="8346" y="13748"/>
-                </a:lnTo>
-                <a:lnTo>
-                  <a:pt x="7835" y="13772"/>
-                </a:lnTo>
-                <a:lnTo>
-                  <a:pt x="7349" y="13724"/>
-                </a:lnTo>
-                <a:lnTo>
-                  <a:pt x="7373" y="13699"/>
-                </a:lnTo>
-                <a:lnTo>
-                  <a:pt x="7397" y="13651"/>
-                </a:lnTo>
-                <a:lnTo>
-                  <a:pt x="7422" y="13578"/>
-                </a:lnTo>
-                <a:lnTo>
-                  <a:pt x="7397" y="13529"/>
-                </a:lnTo>
-                <a:lnTo>
-                  <a:pt x="7373" y="13456"/>
-                </a:lnTo>
-                <a:lnTo>
-                  <a:pt x="7324" y="13383"/>
-                </a:lnTo>
-                <a:lnTo>
-                  <a:pt x="7203" y="13286"/>
-                </a:lnTo>
-                <a:lnTo>
-                  <a:pt x="6911" y="13091"/>
-                </a:lnTo>
-                <a:lnTo>
-                  <a:pt x="6643" y="12872"/>
-                </a:lnTo>
-                <a:lnTo>
-                  <a:pt x="6521" y="12799"/>
-                </a:lnTo>
-                <a:lnTo>
-                  <a:pt x="6448" y="12750"/>
-                </a:lnTo>
-                <a:lnTo>
-                  <a:pt x="6424" y="12702"/>
-                </a:lnTo>
-                <a:lnTo>
-                  <a:pt x="6424" y="12677"/>
-                </a:lnTo>
-                <a:lnTo>
-                  <a:pt x="6400" y="12677"/>
-                </a:lnTo>
-                <a:lnTo>
-                  <a:pt x="6375" y="12702"/>
-                </a:lnTo>
-                <a:lnTo>
-                  <a:pt x="6351" y="12775"/>
-                </a:lnTo>
-                <a:lnTo>
-                  <a:pt x="6327" y="12823"/>
-                </a:lnTo>
-                <a:lnTo>
-                  <a:pt x="6351" y="12969"/>
-                </a:lnTo>
-                <a:lnTo>
-                  <a:pt x="6400" y="13042"/>
-                </a:lnTo>
-                <a:lnTo>
-                  <a:pt x="6448" y="13140"/>
-                </a:lnTo>
-                <a:lnTo>
-                  <a:pt x="6570" y="13286"/>
-                </a:lnTo>
-                <a:lnTo>
-                  <a:pt x="6716" y="13432"/>
-                </a:lnTo>
-                <a:lnTo>
-                  <a:pt x="6862" y="13553"/>
-                </a:lnTo>
-                <a:lnTo>
-                  <a:pt x="7032" y="13675"/>
-                </a:lnTo>
-                <a:lnTo>
-                  <a:pt x="7032" y="13675"/>
-                </a:lnTo>
-                <a:lnTo>
-                  <a:pt x="6619" y="13578"/>
-                </a:lnTo>
-                <a:lnTo>
-                  <a:pt x="6229" y="13456"/>
-                </a:lnTo>
-                <a:lnTo>
-                  <a:pt x="5864" y="13334"/>
-                </a:lnTo>
-                <a:lnTo>
-                  <a:pt x="5670" y="13286"/>
-                </a:lnTo>
-                <a:lnTo>
-                  <a:pt x="5475" y="13261"/>
-                </a:lnTo>
-                <a:lnTo>
-                  <a:pt x="5280" y="13237"/>
-                </a:lnTo>
-                <a:lnTo>
-                  <a:pt x="5086" y="13261"/>
-                </a:lnTo>
-                <a:lnTo>
-                  <a:pt x="4988" y="13286"/>
-                </a:lnTo>
-                <a:lnTo>
-                  <a:pt x="4915" y="13334"/>
-                </a:lnTo>
-                <a:lnTo>
-                  <a:pt x="4842" y="13407"/>
-                </a:lnTo>
-                <a:lnTo>
-                  <a:pt x="4818" y="13505"/>
-                </a:lnTo>
-                <a:lnTo>
-                  <a:pt x="4672" y="13651"/>
-                </a:lnTo>
-                <a:lnTo>
-                  <a:pt x="4502" y="13797"/>
-                </a:lnTo>
-                <a:lnTo>
-                  <a:pt x="4331" y="13943"/>
-                </a:lnTo>
-                <a:lnTo>
-                  <a:pt x="4161" y="14064"/>
-                </a:lnTo>
-                <a:lnTo>
-                  <a:pt x="3869" y="14259"/>
-                </a:lnTo>
-                <a:lnTo>
-                  <a:pt x="3553" y="14405"/>
-                </a:lnTo>
-                <a:lnTo>
-                  <a:pt x="3212" y="14551"/>
-                </a:lnTo>
-                <a:lnTo>
-                  <a:pt x="2896" y="14648"/>
-                </a:lnTo>
-                <a:lnTo>
-                  <a:pt x="2555" y="14745"/>
-                </a:lnTo>
-                <a:lnTo>
-                  <a:pt x="2190" y="14818"/>
-                </a:lnTo>
-                <a:lnTo>
-                  <a:pt x="1825" y="14867"/>
-                </a:lnTo>
-                <a:lnTo>
-                  <a:pt x="1485" y="14891"/>
-                </a:lnTo>
-                <a:lnTo>
-                  <a:pt x="1314" y="14891"/>
-                </a:lnTo>
-                <a:lnTo>
-                  <a:pt x="1144" y="14867"/>
-                </a:lnTo>
-                <a:lnTo>
-                  <a:pt x="1436" y="14672"/>
-                </a:lnTo>
-                <a:lnTo>
-                  <a:pt x="1728" y="14453"/>
-                </a:lnTo>
-                <a:lnTo>
-                  <a:pt x="1996" y="14210"/>
-                </a:lnTo>
-                <a:lnTo>
-                  <a:pt x="2239" y="13991"/>
-                </a:lnTo>
-                <a:lnTo>
-                  <a:pt x="2604" y="13626"/>
-                </a:lnTo>
-                <a:lnTo>
-                  <a:pt x="2774" y="13432"/>
-                </a:lnTo>
-                <a:lnTo>
-                  <a:pt x="2944" y="13188"/>
-                </a:lnTo>
-                <a:lnTo>
-                  <a:pt x="3066" y="12945"/>
-                </a:lnTo>
-                <a:lnTo>
-                  <a:pt x="3163" y="12702"/>
-                </a:lnTo>
-                <a:lnTo>
-                  <a:pt x="3212" y="12458"/>
-                </a:lnTo>
-                <a:lnTo>
-                  <a:pt x="3212" y="12337"/>
-                </a:lnTo>
-                <a:lnTo>
-                  <a:pt x="3212" y="12215"/>
-                </a:lnTo>
-                <a:lnTo>
-                  <a:pt x="3236" y="12118"/>
-                </a:lnTo>
-                <a:lnTo>
-                  <a:pt x="3212" y="12045"/>
-                </a:lnTo>
-                <a:lnTo>
-                  <a:pt x="3188" y="11972"/>
-                </a:lnTo>
-                <a:lnTo>
-                  <a:pt x="3115" y="11923"/>
-                </a:lnTo>
-                <a:lnTo>
-                  <a:pt x="2920" y="11826"/>
-                </a:lnTo>
-                <a:lnTo>
-                  <a:pt x="2750" y="11704"/>
-                </a:lnTo>
-                <a:lnTo>
-                  <a:pt x="2409" y="11461"/>
-                </a:lnTo>
-                <a:lnTo>
-                  <a:pt x="2117" y="11169"/>
-                </a:lnTo>
-                <a:lnTo>
-                  <a:pt x="1850" y="10852"/>
-                </a:lnTo>
-                <a:lnTo>
-                  <a:pt x="1631" y="10512"/>
-                </a:lnTo>
-                <a:lnTo>
-                  <a:pt x="1412" y="10147"/>
-                </a:lnTo>
-                <a:lnTo>
-                  <a:pt x="1241" y="9757"/>
-                </a:lnTo>
-                <a:lnTo>
-                  <a:pt x="1095" y="9368"/>
-                </a:lnTo>
-                <a:lnTo>
-                  <a:pt x="949" y="8979"/>
-                </a:lnTo>
-                <a:lnTo>
-                  <a:pt x="828" y="8565"/>
-                </a:lnTo>
-                <a:lnTo>
-                  <a:pt x="755" y="8127"/>
-                </a:lnTo>
-                <a:lnTo>
-                  <a:pt x="682" y="7689"/>
-                </a:lnTo>
-                <a:lnTo>
-                  <a:pt x="657" y="7251"/>
-                </a:lnTo>
-                <a:lnTo>
-                  <a:pt x="657" y="6837"/>
-                </a:lnTo>
-                <a:lnTo>
-                  <a:pt x="706" y="6399"/>
-                </a:lnTo>
-                <a:lnTo>
-                  <a:pt x="803" y="5986"/>
-                </a:lnTo>
-                <a:lnTo>
-                  <a:pt x="925" y="5548"/>
-                </a:lnTo>
-                <a:lnTo>
-                  <a:pt x="1120" y="5110"/>
-                </a:lnTo>
-                <a:lnTo>
-                  <a:pt x="1339" y="4696"/>
-                </a:lnTo>
-                <a:lnTo>
-                  <a:pt x="1606" y="4307"/>
-                </a:lnTo>
-                <a:lnTo>
-                  <a:pt x="1898" y="3869"/>
-                </a:lnTo>
-                <a:lnTo>
-                  <a:pt x="2166" y="3431"/>
-                </a:lnTo>
-                <a:lnTo>
-                  <a:pt x="2434" y="3017"/>
-                </a:lnTo>
-                <a:lnTo>
-                  <a:pt x="2604" y="2823"/>
-                </a:lnTo>
-                <a:lnTo>
-                  <a:pt x="2774" y="2628"/>
-                </a:lnTo>
-                <a:lnTo>
-                  <a:pt x="3115" y="2336"/>
-                </a:lnTo>
-                <a:lnTo>
-                  <a:pt x="3431" y="2068"/>
-                </a:lnTo>
-                <a:lnTo>
-                  <a:pt x="3772" y="1825"/>
-                </a:lnTo>
-                <a:lnTo>
-                  <a:pt x="4137" y="1582"/>
-                </a:lnTo>
-                <a:lnTo>
-                  <a:pt x="4502" y="1387"/>
-                </a:lnTo>
-                <a:lnTo>
-                  <a:pt x="4867" y="1192"/>
-                </a:lnTo>
-                <a:lnTo>
-                  <a:pt x="5256" y="1046"/>
-                </a:lnTo>
-                <a:lnTo>
-                  <a:pt x="5670" y="900"/>
-                </a:lnTo>
-                <a:lnTo>
-                  <a:pt x="6083" y="803"/>
-                </a:lnTo>
-                <a:lnTo>
-                  <a:pt x="6497" y="706"/>
-                </a:lnTo>
-                <a:lnTo>
-                  <a:pt x="6935" y="633"/>
-                </a:lnTo>
-                <a:lnTo>
-                  <a:pt x="7373" y="584"/>
-                </a:lnTo>
-                <a:lnTo>
-                  <a:pt x="7811" y="535"/>
-                </a:lnTo>
-                <a:lnTo>
-                  <a:pt x="8249" y="511"/>
-                </a:lnTo>
-                <a:close/>
-                <a:moveTo>
-                  <a:pt x="8444" y="0"/>
-                </a:moveTo>
-                <a:lnTo>
-                  <a:pt x="7641" y="24"/>
-                </a:lnTo>
-                <a:lnTo>
-                  <a:pt x="6838" y="122"/>
-                </a:lnTo>
-                <a:lnTo>
-                  <a:pt x="6351" y="195"/>
-                </a:lnTo>
-                <a:lnTo>
-                  <a:pt x="5889" y="292"/>
-                </a:lnTo>
-                <a:lnTo>
-                  <a:pt x="5426" y="414"/>
-                </a:lnTo>
-                <a:lnTo>
-                  <a:pt x="4964" y="560"/>
-                </a:lnTo>
-                <a:lnTo>
-                  <a:pt x="4502" y="730"/>
-                </a:lnTo>
-                <a:lnTo>
-                  <a:pt x="4088" y="949"/>
-                </a:lnTo>
-                <a:lnTo>
-                  <a:pt x="3674" y="1217"/>
-                </a:lnTo>
-                <a:lnTo>
-                  <a:pt x="3285" y="1509"/>
-                </a:lnTo>
-                <a:lnTo>
-                  <a:pt x="2823" y="1922"/>
-                </a:lnTo>
-                <a:lnTo>
-                  <a:pt x="2385" y="2312"/>
-                </a:lnTo>
-                <a:lnTo>
-                  <a:pt x="2166" y="2531"/>
-                </a:lnTo>
-                <a:lnTo>
-                  <a:pt x="1947" y="2725"/>
-                </a:lnTo>
-                <a:lnTo>
-                  <a:pt x="1752" y="2969"/>
-                </a:lnTo>
-                <a:lnTo>
-                  <a:pt x="1582" y="3212"/>
-                </a:lnTo>
-                <a:lnTo>
-                  <a:pt x="1266" y="3723"/>
-                </a:lnTo>
-                <a:lnTo>
-                  <a:pt x="974" y="4283"/>
-                </a:lnTo>
-                <a:lnTo>
-                  <a:pt x="682" y="4842"/>
-                </a:lnTo>
-                <a:lnTo>
-                  <a:pt x="438" y="5402"/>
-                </a:lnTo>
-                <a:lnTo>
-                  <a:pt x="341" y="5645"/>
-                </a:lnTo>
-                <a:lnTo>
-                  <a:pt x="268" y="5889"/>
-                </a:lnTo>
-                <a:lnTo>
-                  <a:pt x="195" y="6132"/>
-                </a:lnTo>
-                <a:lnTo>
-                  <a:pt x="146" y="6375"/>
-                </a:lnTo>
-                <a:lnTo>
-                  <a:pt x="122" y="6886"/>
-                </a:lnTo>
-                <a:lnTo>
-                  <a:pt x="122" y="7397"/>
-                </a:lnTo>
-                <a:lnTo>
-                  <a:pt x="171" y="7908"/>
-                </a:lnTo>
-                <a:lnTo>
-                  <a:pt x="268" y="8419"/>
-                </a:lnTo>
-                <a:lnTo>
-                  <a:pt x="390" y="8906"/>
-                </a:lnTo>
-                <a:lnTo>
-                  <a:pt x="536" y="9392"/>
-                </a:lnTo>
-                <a:lnTo>
-                  <a:pt x="682" y="9830"/>
-                </a:lnTo>
-                <a:lnTo>
-                  <a:pt x="876" y="10244"/>
-                </a:lnTo>
-                <a:lnTo>
-                  <a:pt x="1095" y="10658"/>
-                </a:lnTo>
-                <a:lnTo>
-                  <a:pt x="1339" y="11047"/>
-                </a:lnTo>
-                <a:lnTo>
-                  <a:pt x="1631" y="11412"/>
-                </a:lnTo>
-                <a:lnTo>
-                  <a:pt x="1947" y="11728"/>
-                </a:lnTo>
-                <a:lnTo>
-                  <a:pt x="2117" y="11874"/>
-                </a:lnTo>
-                <a:lnTo>
-                  <a:pt x="2312" y="12020"/>
-                </a:lnTo>
-                <a:lnTo>
-                  <a:pt x="2507" y="12142"/>
-                </a:lnTo>
-                <a:lnTo>
-                  <a:pt x="2701" y="12239"/>
-                </a:lnTo>
-                <a:lnTo>
-                  <a:pt x="2677" y="12458"/>
-                </a:lnTo>
-                <a:lnTo>
-                  <a:pt x="2604" y="12653"/>
-                </a:lnTo>
-                <a:lnTo>
-                  <a:pt x="2482" y="12848"/>
-                </a:lnTo>
-                <a:lnTo>
-                  <a:pt x="2361" y="13042"/>
-                </a:lnTo>
-                <a:lnTo>
-                  <a:pt x="2215" y="13213"/>
-                </a:lnTo>
-                <a:lnTo>
-                  <a:pt x="2069" y="13359"/>
-                </a:lnTo>
-                <a:lnTo>
-                  <a:pt x="1752" y="13675"/>
-                </a:lnTo>
-                <a:lnTo>
-                  <a:pt x="1412" y="13967"/>
-                </a:lnTo>
-                <a:lnTo>
-                  <a:pt x="1047" y="14259"/>
-                </a:lnTo>
-                <a:lnTo>
-                  <a:pt x="828" y="14381"/>
-                </a:lnTo>
-                <a:lnTo>
-                  <a:pt x="633" y="14478"/>
-                </a:lnTo>
-                <a:lnTo>
-                  <a:pt x="414" y="14575"/>
-                </a:lnTo>
-                <a:lnTo>
-                  <a:pt x="195" y="14648"/>
-                </a:lnTo>
-                <a:lnTo>
-                  <a:pt x="98" y="14697"/>
-                </a:lnTo>
-                <a:lnTo>
-                  <a:pt x="25" y="14794"/>
-                </a:lnTo>
-                <a:lnTo>
-                  <a:pt x="0" y="14891"/>
-                </a:lnTo>
-                <a:lnTo>
-                  <a:pt x="25" y="14989"/>
-                </a:lnTo>
-                <a:lnTo>
-                  <a:pt x="49" y="15086"/>
-                </a:lnTo>
-                <a:lnTo>
-                  <a:pt x="146" y="15159"/>
-                </a:lnTo>
-                <a:lnTo>
-                  <a:pt x="244" y="15208"/>
-                </a:lnTo>
-                <a:lnTo>
-                  <a:pt x="365" y="15208"/>
-                </a:lnTo>
-                <a:lnTo>
-                  <a:pt x="414" y="15183"/>
-                </a:lnTo>
-                <a:lnTo>
-                  <a:pt x="560" y="15256"/>
-                </a:lnTo>
-                <a:lnTo>
-                  <a:pt x="682" y="15305"/>
-                </a:lnTo>
-                <a:lnTo>
-                  <a:pt x="998" y="15378"/>
-                </a:lnTo>
-                <a:lnTo>
-                  <a:pt x="1314" y="15402"/>
-                </a:lnTo>
-                <a:lnTo>
-                  <a:pt x="1679" y="15402"/>
-                </a:lnTo>
-                <a:lnTo>
-                  <a:pt x="2020" y="15354"/>
-                </a:lnTo>
-                <a:lnTo>
-                  <a:pt x="2336" y="15305"/>
-                </a:lnTo>
-                <a:lnTo>
-                  <a:pt x="2896" y="15183"/>
-                </a:lnTo>
-                <a:lnTo>
-                  <a:pt x="3261" y="15062"/>
-                </a:lnTo>
-                <a:lnTo>
-                  <a:pt x="3626" y="14916"/>
-                </a:lnTo>
-                <a:lnTo>
-                  <a:pt x="3991" y="14770"/>
-                </a:lnTo>
-                <a:lnTo>
-                  <a:pt x="4331" y="14575"/>
-                </a:lnTo>
-                <a:lnTo>
-                  <a:pt x="4575" y="14429"/>
-                </a:lnTo>
-                <a:lnTo>
-                  <a:pt x="4818" y="14259"/>
-                </a:lnTo>
-                <a:lnTo>
-                  <a:pt x="5037" y="14040"/>
-                </a:lnTo>
-                <a:lnTo>
-                  <a:pt x="5134" y="13918"/>
-                </a:lnTo>
-                <a:lnTo>
-                  <a:pt x="5207" y="13797"/>
-                </a:lnTo>
-                <a:lnTo>
-                  <a:pt x="5426" y="13821"/>
-                </a:lnTo>
-                <a:lnTo>
-                  <a:pt x="5645" y="13845"/>
-                </a:lnTo>
-                <a:lnTo>
-                  <a:pt x="6059" y="13967"/>
-                </a:lnTo>
-                <a:lnTo>
-                  <a:pt x="6497" y="14113"/>
-                </a:lnTo>
-                <a:lnTo>
-                  <a:pt x="6692" y="14186"/>
-                </a:lnTo>
-                <a:lnTo>
-                  <a:pt x="6911" y="14235"/>
-                </a:lnTo>
-                <a:lnTo>
-                  <a:pt x="7178" y="14283"/>
-                </a:lnTo>
-                <a:lnTo>
-                  <a:pt x="7446" y="14308"/>
-                </a:lnTo>
-                <a:lnTo>
-                  <a:pt x="7981" y="14332"/>
-                </a:lnTo>
-                <a:lnTo>
-                  <a:pt x="8517" y="14308"/>
-                </a:lnTo>
-                <a:lnTo>
-                  <a:pt x="9052" y="14259"/>
-                </a:lnTo>
-                <a:lnTo>
-                  <a:pt x="9490" y="14210"/>
-                </a:lnTo>
-                <a:lnTo>
-                  <a:pt x="9952" y="14137"/>
-                </a:lnTo>
-                <a:lnTo>
-                  <a:pt x="10390" y="14040"/>
-                </a:lnTo>
-                <a:lnTo>
-                  <a:pt x="10828" y="13918"/>
-                </a:lnTo>
-                <a:lnTo>
-                  <a:pt x="11266" y="13797"/>
-                </a:lnTo>
-                <a:lnTo>
-                  <a:pt x="11680" y="13651"/>
-                </a:lnTo>
-                <a:lnTo>
-                  <a:pt x="12093" y="13480"/>
-                </a:lnTo>
-                <a:lnTo>
-                  <a:pt x="12507" y="13286"/>
-                </a:lnTo>
-                <a:lnTo>
-                  <a:pt x="12921" y="13067"/>
-                </a:lnTo>
-                <a:lnTo>
-                  <a:pt x="13310" y="12823"/>
-                </a:lnTo>
-                <a:lnTo>
-                  <a:pt x="13699" y="12556"/>
-                </a:lnTo>
-                <a:lnTo>
-                  <a:pt x="14089" y="12264"/>
-                </a:lnTo>
-                <a:lnTo>
-                  <a:pt x="14429" y="11947"/>
-                </a:lnTo>
-                <a:lnTo>
-                  <a:pt x="14770" y="11607"/>
-                </a:lnTo>
-                <a:lnTo>
-                  <a:pt x="15111" y="11266"/>
-                </a:lnTo>
-                <a:lnTo>
-                  <a:pt x="15403" y="10901"/>
-                </a:lnTo>
-                <a:lnTo>
-                  <a:pt x="15670" y="10512"/>
-                </a:lnTo>
-                <a:lnTo>
-                  <a:pt x="15914" y="10098"/>
-                </a:lnTo>
-                <a:lnTo>
-                  <a:pt x="16133" y="9684"/>
-                </a:lnTo>
-                <a:lnTo>
-                  <a:pt x="16327" y="9246"/>
-                </a:lnTo>
-                <a:lnTo>
-                  <a:pt x="16473" y="8808"/>
-                </a:lnTo>
-                <a:lnTo>
-                  <a:pt x="16595" y="8346"/>
-                </a:lnTo>
-                <a:lnTo>
-                  <a:pt x="16668" y="7884"/>
-                </a:lnTo>
-                <a:lnTo>
-                  <a:pt x="16717" y="7421"/>
-                </a:lnTo>
-                <a:lnTo>
-                  <a:pt x="16717" y="7178"/>
-                </a:lnTo>
-                <a:lnTo>
-                  <a:pt x="16692" y="6959"/>
-                </a:lnTo>
-                <a:lnTo>
-                  <a:pt x="16595" y="6497"/>
-                </a:lnTo>
-                <a:lnTo>
-                  <a:pt x="16473" y="6035"/>
-                </a:lnTo>
-                <a:lnTo>
-                  <a:pt x="16352" y="5597"/>
-                </a:lnTo>
-                <a:lnTo>
-                  <a:pt x="16206" y="5134"/>
-                </a:lnTo>
-                <a:lnTo>
-                  <a:pt x="16084" y="4672"/>
-                </a:lnTo>
-                <a:lnTo>
-                  <a:pt x="15962" y="4210"/>
-                </a:lnTo>
-                <a:lnTo>
-                  <a:pt x="15792" y="3772"/>
-                </a:lnTo>
-                <a:lnTo>
-                  <a:pt x="15597" y="3358"/>
-                </a:lnTo>
-                <a:lnTo>
-                  <a:pt x="15354" y="2993"/>
-                </a:lnTo>
-                <a:lnTo>
-                  <a:pt x="15062" y="2652"/>
-                </a:lnTo>
-                <a:lnTo>
-                  <a:pt x="14770" y="2336"/>
-                </a:lnTo>
-                <a:lnTo>
-                  <a:pt x="14429" y="2044"/>
-                </a:lnTo>
-                <a:lnTo>
-                  <a:pt x="14089" y="1776"/>
-                </a:lnTo>
-                <a:lnTo>
-                  <a:pt x="13724" y="1509"/>
-                </a:lnTo>
-                <a:lnTo>
-                  <a:pt x="13334" y="1265"/>
-                </a:lnTo>
-                <a:lnTo>
-                  <a:pt x="12969" y="1046"/>
-                </a:lnTo>
-                <a:lnTo>
-                  <a:pt x="12580" y="827"/>
-                </a:lnTo>
-                <a:lnTo>
-                  <a:pt x="12166" y="633"/>
-                </a:lnTo>
-                <a:lnTo>
-                  <a:pt x="11777" y="487"/>
-                </a:lnTo>
-                <a:lnTo>
-                  <a:pt x="11363" y="341"/>
-                </a:lnTo>
-                <a:lnTo>
-                  <a:pt x="10950" y="219"/>
-                </a:lnTo>
-                <a:lnTo>
-                  <a:pt x="10512" y="146"/>
-                </a:lnTo>
-                <a:lnTo>
-                  <a:pt x="10074" y="73"/>
-                </a:lnTo>
-                <a:lnTo>
-                  <a:pt x="9271" y="0"/>
-                </a:lnTo>
-                <a:close/>
-              </a:path>
-            </a:pathLst>
-          </a:custGeom>
-          <a:solidFill>
-            <a:srgbClr val="FFFFFF"/>
-          </a:solidFill>
+          <a:noFill/>
           <a:ln>
             <a:noFill/>
           </a:ln>
@@ -8668,7 +7073,210 @@
           </a:bodyPr>
           <a:lstStyle/>
           <a:p>
-            <a:pPr indent="0" lvl="0" marL="0" rtl="0" algn="l">
+            <a:pPr indent="-419100" lvl="0" marL="914400" rtl="0" algn="l">
+              <a:lnSpc>
+                <a:spcPct val="120000"/>
+              </a:lnSpc>
+              <a:spcBef>
+                <a:spcPts val="600"/>
+              </a:spcBef>
+              <a:spcAft>
+                <a:spcPts val="0"/>
+              </a:spcAft>
+              <a:buClr>
+                <a:srgbClr val="695D46"/>
+              </a:buClr>
+              <a:buSzPts val="3000"/>
+              <a:buFont typeface="Montserrat"/>
+              <a:buChar char="●"/>
+            </a:pPr>
+            <a:r>
+              <a:rPr lang="en" sz="3000">
+                <a:solidFill>
+                  <a:srgbClr val="695D46"/>
+                </a:solidFill>
+                <a:latin typeface="Montserrat"/>
+                <a:ea typeface="Montserrat"/>
+                <a:cs typeface="Montserrat"/>
+                <a:sym typeface="Montserrat"/>
+              </a:rPr>
+              <a:t>Baralho</a:t>
+            </a:r>
+            <a:endParaRPr sz="3000">
+              <a:solidFill>
+                <a:srgbClr val="695D46"/>
+              </a:solidFill>
+              <a:latin typeface="Montserrat"/>
+              <a:ea typeface="Montserrat"/>
+              <a:cs typeface="Montserrat"/>
+              <a:sym typeface="Montserrat"/>
+            </a:endParaRPr>
+          </a:p>
+          <a:p>
+            <a:pPr indent="-419100" lvl="0" marL="914400" rtl="0" algn="l">
+              <a:lnSpc>
+                <a:spcPct val="120000"/>
+              </a:lnSpc>
+              <a:spcBef>
+                <a:spcPts val="0"/>
+              </a:spcBef>
+              <a:spcAft>
+                <a:spcPts val="0"/>
+              </a:spcAft>
+              <a:buClr>
+                <a:srgbClr val="695D46"/>
+              </a:buClr>
+              <a:buSzPts val="3000"/>
+              <a:buFont typeface="Montserrat"/>
+              <a:buChar char="●"/>
+            </a:pPr>
+            <a:r>
+              <a:rPr lang="en" sz="3000">
+                <a:solidFill>
+                  <a:srgbClr val="695D46"/>
+                </a:solidFill>
+                <a:latin typeface="Montserrat"/>
+                <a:ea typeface="Montserrat"/>
+                <a:cs typeface="Montserrat"/>
+                <a:sym typeface="Montserrat"/>
+              </a:rPr>
+              <a:t>Carta</a:t>
+            </a:r>
+            <a:endParaRPr sz="3000">
+              <a:solidFill>
+                <a:srgbClr val="695D46"/>
+              </a:solidFill>
+              <a:latin typeface="Montserrat"/>
+              <a:ea typeface="Montserrat"/>
+              <a:cs typeface="Montserrat"/>
+              <a:sym typeface="Montserrat"/>
+            </a:endParaRPr>
+          </a:p>
+          <a:p>
+            <a:pPr indent="-419100" lvl="0" marL="914400" rtl="0" algn="l">
+              <a:lnSpc>
+                <a:spcPct val="120000"/>
+              </a:lnSpc>
+              <a:spcBef>
+                <a:spcPts val="0"/>
+              </a:spcBef>
+              <a:spcAft>
+                <a:spcPts val="0"/>
+              </a:spcAft>
+              <a:buClr>
+                <a:srgbClr val="695D46"/>
+              </a:buClr>
+              <a:buSzPts val="3000"/>
+              <a:buFont typeface="Montserrat"/>
+              <a:buChar char="●"/>
+            </a:pPr>
+            <a:r>
+              <a:rPr lang="en" sz="3000">
+                <a:solidFill>
+                  <a:srgbClr val="695D46"/>
+                </a:solidFill>
+                <a:latin typeface="Montserrat"/>
+                <a:ea typeface="Montserrat"/>
+                <a:cs typeface="Montserrat"/>
+                <a:sym typeface="Montserrat"/>
+              </a:rPr>
+              <a:t>CartaNaMesa</a:t>
+            </a:r>
+            <a:endParaRPr sz="3000">
+              <a:solidFill>
+                <a:srgbClr val="695D46"/>
+              </a:solidFill>
+              <a:latin typeface="Montserrat"/>
+              <a:ea typeface="Montserrat"/>
+              <a:cs typeface="Montserrat"/>
+              <a:sym typeface="Montserrat"/>
+            </a:endParaRPr>
+          </a:p>
+          <a:p>
+            <a:pPr indent="-419100" lvl="0" marL="914400" rtl="0" algn="l">
+              <a:lnSpc>
+                <a:spcPct val="120000"/>
+              </a:lnSpc>
+              <a:spcBef>
+                <a:spcPts val="0"/>
+              </a:spcBef>
+              <a:spcAft>
+                <a:spcPts val="0"/>
+              </a:spcAft>
+              <a:buClr>
+                <a:srgbClr val="695D46"/>
+              </a:buClr>
+              <a:buSzPts val="3000"/>
+              <a:buFont typeface="Montserrat"/>
+              <a:buChar char="●"/>
+            </a:pPr>
+            <a:r>
+              <a:rPr lang="en" sz="3000">
+                <a:solidFill>
+                  <a:srgbClr val="695D46"/>
+                </a:solidFill>
+                <a:latin typeface="Montserrat"/>
+                <a:ea typeface="Montserrat"/>
+                <a:cs typeface="Montserrat"/>
+                <a:sym typeface="Montserrat"/>
+              </a:rPr>
+              <a:t>Jogador</a:t>
+            </a:r>
+            <a:endParaRPr sz="3000">
+              <a:solidFill>
+                <a:srgbClr val="695D46"/>
+              </a:solidFill>
+              <a:latin typeface="Montserrat"/>
+              <a:ea typeface="Montserrat"/>
+              <a:cs typeface="Montserrat"/>
+              <a:sym typeface="Montserrat"/>
+            </a:endParaRPr>
+          </a:p>
+          <a:p>
+            <a:pPr indent="-419100" lvl="0" marL="914400" rtl="0" algn="l">
+              <a:lnSpc>
+                <a:spcPct val="120000"/>
+              </a:lnSpc>
+              <a:spcBef>
+                <a:spcPts val="0"/>
+              </a:spcBef>
+              <a:spcAft>
+                <a:spcPts val="0"/>
+              </a:spcAft>
+              <a:buClr>
+                <a:srgbClr val="695D46"/>
+              </a:buClr>
+              <a:buSzPts val="3000"/>
+              <a:buFont typeface="Montserrat"/>
+              <a:buChar char="●"/>
+            </a:pPr>
+            <a:r>
+              <a:rPr lang="en" sz="3000">
+                <a:solidFill>
+                  <a:srgbClr val="695D46"/>
+                </a:solidFill>
+                <a:latin typeface="Montserrat"/>
+                <a:ea typeface="Montserrat"/>
+                <a:cs typeface="Montserrat"/>
+                <a:sym typeface="Montserrat"/>
+              </a:rPr>
+              <a:t>Mesa</a:t>
+            </a:r>
+            <a:endParaRPr sz="3000">
+              <a:solidFill>
+                <a:srgbClr val="695D46"/>
+              </a:solidFill>
+              <a:latin typeface="Montserrat"/>
+              <a:ea typeface="Montserrat"/>
+              <a:cs typeface="Montserrat"/>
+              <a:sym typeface="Montserrat"/>
+            </a:endParaRPr>
+          </a:p>
+          <a:p>
+            <a:pPr indent="0" lvl="0" marL="0" rtl="0" algn="ctr">
+              <a:lnSpc>
+                <a:spcPct val="115000"/>
+              </a:lnSpc>
               <a:spcBef>
                 <a:spcPts val="0"/>
               </a:spcBef>
@@ -8680,7 +7288,15 @@
             <a:r>
               <a:t/>
             </a:r>
-            <a:endParaRPr/>
+            <a:endParaRPr sz="1200">
+              <a:solidFill>
+                <a:srgbClr val="666666"/>
+              </a:solidFill>
+              <a:latin typeface="Montserrat ExtraBold"/>
+              <a:ea typeface="Montserrat ExtraBold"/>
+              <a:cs typeface="Montserrat ExtraBold"/>
+              <a:sym typeface="Montserrat ExtraBold"/>
+            </a:endParaRPr>
           </a:p>
         </p:txBody>
       </p:sp>
@@ -8712,7 +7328,7 @@
     </p:bg>
     <p:spTree>
       <p:nvGrpSpPr>
-        <p:cNvPr id="128" name="Shape 128"/>
+        <p:cNvPr id="129" name="Shape 129"/>
         <p:cNvGrpSpPr/>
         <p:nvPr/>
       </p:nvGrpSpPr>
@@ -8726,7 +7342,7 @@
       </p:grpSpPr>
       <p:sp>
         <p:nvSpPr>
-          <p:cNvPr id="129" name="Google Shape;129;p23"/>
+          <p:cNvPr id="130" name="Google Shape;130;p23"/>
           <p:cNvSpPr txBox="1"/>
           <p:nvPr>
             <p:ph idx="4294967295" type="ctrTitle"/>
@@ -8766,7 +7382,7 @@
       </p:sp>
       <p:sp>
         <p:nvSpPr>
-          <p:cNvPr id="130" name="Google Shape;130;p23"/>
+          <p:cNvPr id="131" name="Google Shape;131;p23"/>
           <p:cNvSpPr txBox="1"/>
           <p:nvPr>
             <p:ph idx="4294967295" type="subTitle"/>
@@ -8787,9 +7403,28 @@
           </a:bodyPr>
           <a:lstStyle/>
           <a:p>
-            <a:pPr indent="0" lvl="0" marL="0" rtl="0" algn="ctr">
+            <a:pPr indent="0" lvl="0" marL="0" rtl="0" algn="l">
               <a:spcBef>
                 <a:spcPts val="600"/>
+              </a:spcBef>
+              <a:spcAft>
+                <a:spcPts val="0"/>
+              </a:spcAft>
+              <a:buNone/>
+            </a:pPr>
+            <a:r>
+              <a:t/>
+            </a:r>
+            <a:endParaRPr>
+              <a:solidFill>
+                <a:srgbClr val="FFFFFF"/>
+              </a:solidFill>
+            </a:endParaRPr>
+          </a:p>
+          <a:p>
+            <a:pPr indent="0" lvl="0" marL="0" rtl="0" algn="l">
+              <a:spcBef>
+                <a:spcPts val="1000"/>
               </a:spcBef>
               <a:spcAft>
                 <a:spcPts val="1000"/>
@@ -8802,7 +7437,7 @@
                   <a:srgbClr val="FFFFFF"/>
                 </a:solidFill>
               </a:rPr>
-              <a:t>KBÔ AGORA SEI TUDO SOBRE PDS 2</a:t>
+              <a:t>	</a:t>
             </a:r>
             <a:endParaRPr>
               <a:solidFill>
@@ -8814,7 +7449,7 @@
       </p:sp>
       <p:sp>
         <p:nvSpPr>
-          <p:cNvPr id="131" name="Google Shape;131;p23"/>
+          <p:cNvPr id="132" name="Google Shape;132;p23"/>
           <p:cNvSpPr txBox="1"/>
           <p:nvPr>
             <p:ph idx="12" type="sldNum"/>
@@ -9082,13 +7717,13 @@
         <a:gradFill>
           <a:gsLst>
             <a:gs pos="0">
-              <a:srgbClr val="FF8700"/>
+              <a:srgbClr val="E61E7F"/>
             </a:gs>
             <a:gs pos="100000">
-              <a:srgbClr val="FFD900"/>
+              <a:srgbClr val="FF9900"/>
             </a:gs>
           </a:gsLst>
-          <a:lin ang="5400012" scaled="0"/>
+          <a:lin ang="5400700" scaled="0"/>
         </a:gradFill>
       </p:bgPr>
     </p:bg>
@@ -9111,13 +7746,53 @@
           <p:cNvPr id="75" name="Google Shape;75;p15"/>
           <p:cNvSpPr txBox="1"/>
           <p:nvPr>
+            <p:ph type="title"/>
+          </p:nvPr>
+        </p:nvSpPr>
+        <p:spPr>
+          <a:xfrm>
+            <a:off x="699000" y="911700"/>
+            <a:ext cx="2020800" cy="3327600"/>
+          </a:xfrm>
+          <a:prstGeom prst="rect">
+            <a:avLst/>
+          </a:prstGeom>
+        </p:spPr>
+        <p:txBody>
+          <a:bodyPr anchorCtr="0" anchor="ctr" bIns="0" lIns="0" spcFirstLastPara="1" rIns="0" wrap="square" tIns="0">
+            <a:noAutofit/>
+          </a:bodyPr>
+          <a:lstStyle/>
+          <a:p>
+            <a:pPr indent="0" lvl="0" marL="0" rtl="0" algn="ctr">
+              <a:spcBef>
+                <a:spcPts val="0"/>
+              </a:spcBef>
+              <a:spcAft>
+                <a:spcPts val="0"/>
+              </a:spcAft>
+              <a:buNone/>
+            </a:pPr>
+            <a:r>
+              <a:rPr lang="en" sz="1800"/>
+              <a:t>EXPERIÊNCIA DO USUÁRIO</a:t>
+            </a:r>
+            <a:endParaRPr sz="1800"/>
+          </a:p>
+        </p:txBody>
+      </p:sp>
+      <p:sp>
+        <p:nvSpPr>
+          <p:cNvPr id="76" name="Google Shape;76;p15"/>
+          <p:cNvSpPr txBox="1"/>
+          <p:nvPr>
             <p:ph idx="1" type="body"/>
           </p:nvPr>
         </p:nvSpPr>
         <p:spPr>
           <a:xfrm>
-            <a:off x="2370425" y="1780800"/>
-            <a:ext cx="4403100" cy="1944300"/>
+            <a:off x="4186675" y="1078000"/>
+            <a:ext cx="4842600" cy="3540600"/>
           </a:xfrm>
           <a:prstGeom prst="rect">
             <a:avLst/>
@@ -9129,43 +7804,97 @@
           </a:bodyPr>
           <a:lstStyle/>
           <a:p>
-            <a:pPr indent="0" lvl="0" marL="0" rtl="0" algn="ctr">
+            <a:pPr indent="0" lvl="0" marL="0" rtl="0" algn="l">
               <a:spcBef>
                 <a:spcPts val="600"/>
               </a:spcBef>
               <a:spcAft>
                 <a:spcPts val="0"/>
               </a:spcAft>
+              <a:buClr>
+                <a:schemeClr val="dk1"/>
+              </a:buClr>
+              <a:buSzPts val="1100"/>
+              <a:buFont typeface="Arial"/>
               <a:buNone/>
             </a:pPr>
             <a:r>
-              <a:rPr lang="en"/>
-              <a:t>O maior erro nunca está no código. O Erro Sempre está entre a cadeira e o computador.</a:t>
+              <a:rPr b="1" lang="en" sz="3000">
+                <a:latin typeface="Montserrat"/>
+                <a:ea typeface="Montserrat"/>
+                <a:cs typeface="Montserrat"/>
+                <a:sym typeface="Montserrat"/>
+              </a:rPr>
+              <a:t>Menu Principal: </a:t>
             </a:r>
-            <a:endParaRPr/>
+            <a:endParaRPr b="1" sz="3000">
+              <a:latin typeface="Montserrat"/>
+              <a:ea typeface="Montserrat"/>
+              <a:cs typeface="Montserrat"/>
+              <a:sym typeface="Montserrat"/>
+            </a:endParaRPr>
           </a:p>
           <a:p>
-            <a:pPr indent="-368300" lvl="0" marL="457200" rtl="0" algn="l">
+            <a:pPr indent="0" lvl="0" marL="0" rtl="0" algn="l">
               <a:spcBef>
                 <a:spcPts val="1000"/>
               </a:spcBef>
               <a:spcAft>
                 <a:spcPts val="0"/>
               </a:spcAft>
-              <a:buSzPts val="2200"/>
-              <a:buChar char="-"/>
+              <a:buClr>
+                <a:schemeClr val="dk1"/>
+              </a:buClr>
+              <a:buSzPts val="1100"/>
+              <a:buFont typeface="Arial"/>
+              <a:buNone/>
             </a:pPr>
             <a:r>
-              <a:rPr lang="en"/>
-              <a:t>Gilmar.</a:t>
+              <a:rPr b="1" lang="en" sz="3000">
+                <a:latin typeface="Montserrat"/>
+                <a:ea typeface="Montserrat"/>
+                <a:cs typeface="Montserrat"/>
+                <a:sym typeface="Montserrat"/>
+              </a:rPr>
+              <a:t>O jogador deve digitar seu nome para que o jogo se inicie. Os demais participantes serão Bots.</a:t>
             </a:r>
-            <a:endParaRPr/>
+            <a:endParaRPr b="1" sz="3000">
+              <a:latin typeface="Montserrat"/>
+              <a:ea typeface="Montserrat"/>
+              <a:cs typeface="Montserrat"/>
+              <a:sym typeface="Montserrat"/>
+            </a:endParaRPr>
+          </a:p>
+          <a:p>
+            <a:pPr indent="0" lvl="0" marL="0" rtl="0" algn="l">
+              <a:spcBef>
+                <a:spcPts val="1000"/>
+              </a:spcBef>
+              <a:spcAft>
+                <a:spcPts val="1000"/>
+              </a:spcAft>
+              <a:buClr>
+                <a:schemeClr val="dk1"/>
+              </a:buClr>
+              <a:buSzPts val="1100"/>
+              <a:buFont typeface="Arial"/>
+              <a:buNone/>
+            </a:pPr>
+            <a:r>
+              <a:t/>
+            </a:r>
+            <a:endParaRPr b="1">
+              <a:latin typeface="Montserrat"/>
+              <a:ea typeface="Montserrat"/>
+              <a:cs typeface="Montserrat"/>
+              <a:sym typeface="Montserrat"/>
+            </a:endParaRPr>
           </a:p>
         </p:txBody>
       </p:sp>
       <p:sp>
         <p:nvSpPr>
-          <p:cNvPr id="76" name="Google Shape;76;p15"/>
+          <p:cNvPr id="77" name="Google Shape;77;p15"/>
           <p:cNvSpPr txBox="1"/>
           <p:nvPr>
             <p:ph idx="12" type="sldNum"/>
@@ -9193,6 +7922,11 @@
               <a:spcAft>
                 <a:spcPts val="0"/>
               </a:spcAft>
+              <a:buClr>
+                <a:srgbClr val="000000"/>
+              </a:buClr>
+              <a:buSzPts val="1100"/>
+              <a:buFont typeface="Arial"/>
               <a:buNone/>
             </a:pPr>
             <a:fld id="{00000000-1234-1234-1234-123412341234}" type="slidenum">
@@ -9219,19 +7953,19 @@
         <a:gradFill>
           <a:gsLst>
             <a:gs pos="0">
-              <a:srgbClr val="E61E7F"/>
+              <a:srgbClr val="4050E5"/>
             </a:gs>
             <a:gs pos="100000">
-              <a:srgbClr val="FF9900"/>
+              <a:srgbClr val="C833FF"/>
             </a:gs>
           </a:gsLst>
-          <a:lin ang="5400700" scaled="0"/>
+          <a:lin ang="5400012" scaled="0"/>
         </a:gradFill>
       </p:bgPr>
     </p:bg>
     <p:spTree>
       <p:nvGrpSpPr>
-        <p:cNvPr id="80" name="Shape 80"/>
+        <p:cNvPr id="81" name="Shape 81"/>
         <p:cNvGrpSpPr/>
         <p:nvPr/>
       </p:nvGrpSpPr>
@@ -9245,16 +7979,16 @@
       </p:grpSpPr>
       <p:sp>
         <p:nvSpPr>
-          <p:cNvPr id="81" name="Google Shape;81;p16"/>
+          <p:cNvPr id="82" name="Google Shape;82;p16"/>
           <p:cNvSpPr txBox="1"/>
           <p:nvPr>
-            <p:ph type="title"/>
+            <p:ph type="ctrTitle"/>
           </p:nvPr>
         </p:nvSpPr>
         <p:spPr>
           <a:xfrm>
-            <a:off x="699000" y="911700"/>
-            <a:ext cx="2020800" cy="3327600"/>
+            <a:off x="1874450" y="810100"/>
+            <a:ext cx="5377500" cy="3535500"/>
           </a:xfrm>
           <a:prstGeom prst="rect">
             <a:avLst/>
@@ -9276,165 +8010,9 @@
               <a:buNone/>
             </a:pPr>
             <a:r>
-              <a:rPr lang="en" sz="1800"/>
-              <a:t>EXPERIÊNCIA DO USUÁRIO</a:t>
+              <a:rPr lang="en"/>
+              <a:t>Fluxo</a:t>
             </a:r>
-            <a:endParaRPr sz="1800"/>
-          </a:p>
-        </p:txBody>
-      </p:sp>
-      <p:sp>
-        <p:nvSpPr>
-          <p:cNvPr id="82" name="Google Shape;82;p16"/>
-          <p:cNvSpPr txBox="1"/>
-          <p:nvPr>
-            <p:ph idx="1" type="body"/>
-          </p:nvPr>
-        </p:nvSpPr>
-        <p:spPr>
-          <a:xfrm>
-            <a:off x="4186675" y="1078000"/>
-            <a:ext cx="4842600" cy="3540600"/>
-          </a:xfrm>
-          <a:prstGeom prst="rect">
-            <a:avLst/>
-          </a:prstGeom>
-        </p:spPr>
-        <p:txBody>
-          <a:bodyPr anchorCtr="0" anchor="t" bIns="0" lIns="0" spcFirstLastPara="1" rIns="0" wrap="square" tIns="0">
-            <a:noAutofit/>
-          </a:bodyPr>
-          <a:lstStyle/>
-          <a:p>
-            <a:pPr indent="0" lvl="0" marL="0" rtl="0" algn="l">
-              <a:spcBef>
-                <a:spcPts val="600"/>
-              </a:spcBef>
-              <a:spcAft>
-                <a:spcPts val="0"/>
-              </a:spcAft>
-              <a:buClr>
-                <a:schemeClr val="dk1"/>
-              </a:buClr>
-              <a:buSzPts val="1100"/>
-              <a:buFont typeface="Arial"/>
-              <a:buNone/>
-            </a:pPr>
-            <a:r>
-              <a:rPr b="1" lang="en" sz="3000">
-                <a:latin typeface="Montserrat"/>
-                <a:ea typeface="Montserrat"/>
-                <a:cs typeface="Montserrat"/>
-                <a:sym typeface="Montserrat"/>
-              </a:rPr>
-              <a:t>Menu Principal: </a:t>
-            </a:r>
-            <a:endParaRPr b="1" sz="3000">
-              <a:latin typeface="Montserrat"/>
-              <a:ea typeface="Montserrat"/>
-              <a:cs typeface="Montserrat"/>
-              <a:sym typeface="Montserrat"/>
-            </a:endParaRPr>
-          </a:p>
-          <a:p>
-            <a:pPr indent="0" lvl="0" marL="0" rtl="0" algn="l">
-              <a:spcBef>
-                <a:spcPts val="1000"/>
-              </a:spcBef>
-              <a:spcAft>
-                <a:spcPts val="0"/>
-              </a:spcAft>
-              <a:buClr>
-                <a:schemeClr val="dk1"/>
-              </a:buClr>
-              <a:buSzPts val="1100"/>
-              <a:buFont typeface="Arial"/>
-              <a:buNone/>
-            </a:pPr>
-            <a:r>
-              <a:rPr b="1" lang="en" sz="3000">
-                <a:latin typeface="Montserrat"/>
-                <a:ea typeface="Montserrat"/>
-                <a:cs typeface="Montserrat"/>
-                <a:sym typeface="Montserrat"/>
-              </a:rPr>
-              <a:t>O jogador deve digitar seu nome para que o jogo se inicie. Os demais participantes serão Bots.</a:t>
-            </a:r>
-            <a:endParaRPr b="1" sz="3000">
-              <a:latin typeface="Montserrat"/>
-              <a:ea typeface="Montserrat"/>
-              <a:cs typeface="Montserrat"/>
-              <a:sym typeface="Montserrat"/>
-            </a:endParaRPr>
-          </a:p>
-          <a:p>
-            <a:pPr indent="0" lvl="0" marL="0" rtl="0" algn="l">
-              <a:spcBef>
-                <a:spcPts val="1000"/>
-              </a:spcBef>
-              <a:spcAft>
-                <a:spcPts val="1000"/>
-              </a:spcAft>
-              <a:buClr>
-                <a:schemeClr val="dk1"/>
-              </a:buClr>
-              <a:buSzPts val="1100"/>
-              <a:buFont typeface="Arial"/>
-              <a:buNone/>
-            </a:pPr>
-            <a:r>
-              <a:t/>
-            </a:r>
-            <a:endParaRPr b="1">
-              <a:latin typeface="Montserrat"/>
-              <a:ea typeface="Montserrat"/>
-              <a:cs typeface="Montserrat"/>
-              <a:sym typeface="Montserrat"/>
-            </a:endParaRPr>
-          </a:p>
-        </p:txBody>
-      </p:sp>
-      <p:sp>
-        <p:nvSpPr>
-          <p:cNvPr id="83" name="Google Shape;83;p16"/>
-          <p:cNvSpPr txBox="1"/>
-          <p:nvPr>
-            <p:ph idx="12" type="sldNum"/>
-          </p:nvPr>
-        </p:nvSpPr>
-        <p:spPr>
-          <a:xfrm>
-            <a:off x="8480584" y="4749851"/>
-            <a:ext cx="548700" cy="393600"/>
-          </a:xfrm>
-          <a:prstGeom prst="rect">
-            <a:avLst/>
-          </a:prstGeom>
-        </p:spPr>
-        <p:txBody>
-          <a:bodyPr anchorCtr="0" anchor="ctr" bIns="0" lIns="0" spcFirstLastPara="1" rIns="0" wrap="square" tIns="0">
-            <a:noAutofit/>
-          </a:bodyPr>
-          <a:lstStyle/>
-          <a:p>
-            <a:pPr indent="0" lvl="0" marL="0" rtl="0" algn="r">
-              <a:spcBef>
-                <a:spcPts val="0"/>
-              </a:spcBef>
-              <a:spcAft>
-                <a:spcPts val="0"/>
-              </a:spcAft>
-              <a:buClr>
-                <a:srgbClr val="000000"/>
-              </a:buClr>
-              <a:buSzPts val="1100"/>
-              <a:buFont typeface="Arial"/>
-              <a:buNone/>
-            </a:pPr>
-            <a:fld id="{00000000-1234-1234-1234-123412341234}" type="slidenum">
-              <a:rPr lang="en"/>
-              <a:t>‹#›</a:t>
-            </a:fld>
             <a:endParaRPr/>
           </a:p>
         </p:txBody>
@@ -9467,7 +8045,7 @@
     </p:bg>
     <p:spTree>
       <p:nvGrpSpPr>
-        <p:cNvPr id="87" name="Shape 87"/>
+        <p:cNvPr id="86" name="Shape 86"/>
         <p:cNvGrpSpPr/>
         <p:nvPr/>
       </p:nvGrpSpPr>
@@ -9481,7 +8059,7 @@
       </p:grpSpPr>
       <p:sp>
         <p:nvSpPr>
-          <p:cNvPr id="88" name="Google Shape;88;p17"/>
+          <p:cNvPr id="87" name="Google Shape;87;p17"/>
           <p:cNvSpPr txBox="1"/>
           <p:nvPr>
             <p:ph type="title"/>
@@ -9537,7 +8115,7 @@
       </p:sp>
       <p:sp>
         <p:nvSpPr>
-          <p:cNvPr id="89" name="Google Shape;89;p17"/>
+          <p:cNvPr id="88" name="Google Shape;88;p17"/>
           <p:cNvSpPr txBox="1"/>
           <p:nvPr>
             <p:ph idx="12" type="sldNum"/>
@@ -9577,7 +8155,7 @@
       </p:sp>
       <p:sp>
         <p:nvSpPr>
-          <p:cNvPr id="90" name="Google Shape;90;p17"/>
+          <p:cNvPr id="89" name="Google Shape;89;p17"/>
           <p:cNvSpPr txBox="1"/>
           <p:nvPr>
             <p:ph idx="1" type="body"/>
@@ -9659,7 +8237,7 @@
                 <a:cs typeface="Montserrat"/>
                 <a:sym typeface="Montserrat"/>
               </a:rPr>
-              <a:t>Ao Iniciar-se o jogo, o jogador tem a opção de mandar uma das cartas que tem em mãos ou pedir truco.</a:t>
+              <a:t>Controla as rodadas, os pontos de cada time e o quem venceu o jogo</a:t>
             </a:r>
             <a:endParaRPr b="1" sz="3000">
               <a:latin typeface="Montserrat"/>
@@ -9717,13 +8295,13 @@
               <a:srgbClr val="C833FF"/>
             </a:gs>
           </a:gsLst>
-          <a:lin ang="5400012" scaled="0"/>
+          <a:lin ang="5400700" scaled="0"/>
         </a:gradFill>
       </p:bgPr>
     </p:bg>
     <p:spTree>
       <p:nvGrpSpPr>
-        <p:cNvPr id="94" name="Shape 94"/>
+        <p:cNvPr id="93" name="Shape 93"/>
         <p:cNvGrpSpPr/>
         <p:nvPr/>
       </p:nvGrpSpPr>
@@ -9737,16 +8315,16 @@
       </p:grpSpPr>
       <p:sp>
         <p:nvSpPr>
-          <p:cNvPr id="95" name="Google Shape;95;p18"/>
+          <p:cNvPr id="94" name="Google Shape;94;p18"/>
           <p:cNvSpPr txBox="1"/>
           <p:nvPr>
-            <p:ph type="ctrTitle"/>
+            <p:ph type="title"/>
           </p:nvPr>
         </p:nvSpPr>
         <p:spPr>
           <a:xfrm>
-            <a:off x="2169912" y="622100"/>
-            <a:ext cx="4804200" cy="1159800"/>
+            <a:off x="537875" y="907950"/>
+            <a:ext cx="2412000" cy="3327600"/>
           </a:xfrm>
           <a:prstGeom prst="rect">
             <a:avLst/>
@@ -9768,41 +8346,189 @@
               <a:buNone/>
             </a:pPr>
             <a:r>
+              <a:rPr lang="en" sz="1800"/>
+              <a:t>EXPERIÊNCIA </a:t>
+            </a:r>
+            <a:endParaRPr sz="1800"/>
+          </a:p>
+          <a:p>
+            <a:pPr indent="0" lvl="0" marL="0" rtl="0" algn="ctr">
+              <a:spcBef>
+                <a:spcPts val="0"/>
+              </a:spcBef>
+              <a:spcAft>
+                <a:spcPts val="0"/>
+              </a:spcAft>
+              <a:buNone/>
+            </a:pPr>
+            <a:r>
+              <a:rPr lang="en" sz="1800"/>
+              <a:t>DO USUÁRIO</a:t>
+            </a:r>
+            <a:endParaRPr sz="1800"/>
+          </a:p>
+        </p:txBody>
+      </p:sp>
+      <p:sp>
+        <p:nvSpPr>
+          <p:cNvPr id="95" name="Google Shape;95;p18"/>
+          <p:cNvSpPr txBox="1"/>
+          <p:nvPr>
+            <p:ph idx="12" type="sldNum"/>
+          </p:nvPr>
+        </p:nvSpPr>
+        <p:spPr>
+          <a:xfrm>
+            <a:off x="8480584" y="4749851"/>
+            <a:ext cx="548700" cy="393600"/>
+          </a:xfrm>
+          <a:prstGeom prst="rect">
+            <a:avLst/>
+          </a:prstGeom>
+        </p:spPr>
+        <p:txBody>
+          <a:bodyPr anchorCtr="0" anchor="ctr" bIns="0" lIns="0" spcFirstLastPara="1" rIns="0" wrap="square" tIns="0">
+            <a:noAutofit/>
+          </a:bodyPr>
+          <a:lstStyle/>
+          <a:p>
+            <a:pPr indent="0" lvl="0" marL="0" rtl="0" algn="r">
+              <a:spcBef>
+                <a:spcPts val="0"/>
+              </a:spcBef>
+              <a:spcAft>
+                <a:spcPts val="0"/>
+              </a:spcAft>
+              <a:buNone/>
+            </a:pPr>
+            <a:fld id="{00000000-1234-1234-1234-123412341234}" type="slidenum">
               <a:rPr lang="en"/>
-              <a:t>PADRÃO MVC</a:t>
-            </a:r>
+              <a:t>‹#›</a:t>
+            </a:fld>
             <a:endParaRPr/>
           </a:p>
         </p:txBody>
       </p:sp>
-      <p:pic>
-        <p:nvPicPr>
+      <p:sp>
+        <p:nvSpPr>
           <p:cNvPr id="96" name="Google Shape;96;p18"/>
-          <p:cNvPicPr preferRelativeResize="0"/>
-          <p:nvPr/>
-        </p:nvPicPr>
-        <p:blipFill>
-          <a:blip r:embed="rId3">
-            <a:alphaModFix/>
-          </a:blip>
-          <a:stretch>
-            <a:fillRect/>
-          </a:stretch>
-        </p:blipFill>
+          <p:cNvSpPr txBox="1"/>
+          <p:nvPr>
+            <p:ph idx="1" type="body"/>
+          </p:nvPr>
+        </p:nvSpPr>
         <p:spPr>
           <a:xfrm>
-            <a:off x="3247688" y="1674050"/>
-            <a:ext cx="2648625" cy="2468200"/>
+            <a:off x="4186675" y="1078000"/>
+            <a:ext cx="4842600" cy="3540600"/>
           </a:xfrm>
           <a:prstGeom prst="rect">
             <a:avLst/>
           </a:prstGeom>
-          <a:noFill/>
-          <a:ln>
-            <a:noFill/>
-          </a:ln>
         </p:spPr>
-      </p:pic>
+        <p:txBody>
+          <a:bodyPr anchorCtr="0" anchor="t" bIns="0" lIns="0" spcFirstLastPara="1" rIns="0" wrap="square" tIns="0">
+            <a:noAutofit/>
+          </a:bodyPr>
+          <a:lstStyle/>
+          <a:p>
+            <a:pPr indent="0" lvl="0" marL="0" rtl="0" algn="l">
+              <a:spcBef>
+                <a:spcPts val="600"/>
+              </a:spcBef>
+              <a:spcAft>
+                <a:spcPts val="0"/>
+              </a:spcAft>
+              <a:buClr>
+                <a:schemeClr val="dk1"/>
+              </a:buClr>
+              <a:buSzPts val="1100"/>
+              <a:buFont typeface="Arial"/>
+              <a:buNone/>
+            </a:pPr>
+            <a:r>
+              <a:rPr b="1" lang="en" sz="3000">
+                <a:latin typeface="Montserrat"/>
+                <a:ea typeface="Montserrat"/>
+                <a:cs typeface="Montserrat"/>
+                <a:sym typeface="Montserrat"/>
+              </a:rPr>
+              <a:t>Rodada</a:t>
+            </a:r>
+            <a:r>
+              <a:rPr b="1" lang="en" sz="3000">
+                <a:latin typeface="Montserrat"/>
+                <a:ea typeface="Montserrat"/>
+                <a:cs typeface="Montserrat"/>
+                <a:sym typeface="Montserrat"/>
+              </a:rPr>
+              <a:t>: </a:t>
+            </a:r>
+            <a:endParaRPr b="1" sz="3000">
+              <a:latin typeface="Montserrat"/>
+              <a:ea typeface="Montserrat"/>
+              <a:cs typeface="Montserrat"/>
+              <a:sym typeface="Montserrat"/>
+            </a:endParaRPr>
+          </a:p>
+          <a:p>
+            <a:pPr indent="0" lvl="0" marL="0" rtl="0" algn="l">
+              <a:spcBef>
+                <a:spcPts val="1000"/>
+              </a:spcBef>
+              <a:spcAft>
+                <a:spcPts val="0"/>
+              </a:spcAft>
+              <a:buClr>
+                <a:schemeClr val="dk1"/>
+              </a:buClr>
+              <a:buSzPts val="1100"/>
+              <a:buFont typeface="Arial"/>
+              <a:buNone/>
+            </a:pPr>
+            <a:r>
+              <a:rPr b="1" lang="en" sz="3000">
+                <a:latin typeface="Montserrat"/>
+                <a:ea typeface="Montserrat"/>
+                <a:cs typeface="Montserrat"/>
+                <a:sym typeface="Montserrat"/>
+              </a:rPr>
+              <a:t>Controla a chamada das ações de cada jogador, os desafios, </a:t>
+            </a:r>
+            <a:endParaRPr b="1" sz="3000">
+              <a:latin typeface="Montserrat"/>
+              <a:ea typeface="Montserrat"/>
+              <a:cs typeface="Montserrat"/>
+              <a:sym typeface="Montserrat"/>
+            </a:endParaRPr>
+          </a:p>
+          <a:p>
+            <a:pPr indent="0" lvl="0" marL="0" rtl="0" algn="l">
+              <a:spcBef>
+                <a:spcPts val="1000"/>
+              </a:spcBef>
+              <a:spcAft>
+                <a:spcPts val="1000"/>
+              </a:spcAft>
+              <a:buClr>
+                <a:schemeClr val="dk1"/>
+              </a:buClr>
+              <a:buSzPts val="1100"/>
+              <a:buFont typeface="Arial"/>
+              <a:buNone/>
+            </a:pPr>
+            <a:r>
+              <a:t/>
+            </a:r>
+            <a:endParaRPr b="1">
+              <a:latin typeface="Montserrat"/>
+              <a:ea typeface="Montserrat"/>
+              <a:cs typeface="Montserrat"/>
+              <a:sym typeface="Montserrat"/>
+            </a:endParaRPr>
+          </a:p>
+        </p:txBody>
+      </p:sp>
     </p:spTree>
   </p:cSld>
   <p:clrMapOvr>
@@ -9819,10 +8545,10 @@
         <a:gradFill>
           <a:gsLst>
             <a:gs pos="0">
-              <a:srgbClr val="3C78D8"/>
+              <a:srgbClr val="FF8700"/>
             </a:gs>
             <a:gs pos="100000">
-              <a:srgbClr val="00FFFF"/>
+              <a:srgbClr val="FFD900"/>
             </a:gs>
           </a:gsLst>
           <a:lin ang="5400700" scaled="0"/>
@@ -9848,6 +8574,1813 @@
           <p:cNvPr id="101" name="Google Shape;101;p19"/>
           <p:cNvSpPr txBox="1"/>
           <p:nvPr>
+            <p:ph idx="12" type="sldNum"/>
+          </p:nvPr>
+        </p:nvSpPr>
+        <p:spPr>
+          <a:xfrm>
+            <a:off x="8480584" y="4749851"/>
+            <a:ext cx="548700" cy="393600"/>
+          </a:xfrm>
+          <a:prstGeom prst="rect">
+            <a:avLst/>
+          </a:prstGeom>
+        </p:spPr>
+        <p:txBody>
+          <a:bodyPr anchorCtr="0" anchor="ctr" bIns="0" lIns="0" spcFirstLastPara="1" rIns="0" wrap="square" tIns="0">
+            <a:noAutofit/>
+          </a:bodyPr>
+          <a:lstStyle/>
+          <a:p>
+            <a:pPr indent="0" lvl="0" marL="0" rtl="0" algn="r">
+              <a:spcBef>
+                <a:spcPts val="0"/>
+              </a:spcBef>
+              <a:spcAft>
+                <a:spcPts val="0"/>
+              </a:spcAft>
+              <a:buNone/>
+            </a:pPr>
+            <a:fld id="{00000000-1234-1234-1234-123412341234}" type="slidenum">
+              <a:rPr lang="en"/>
+              <a:t>‹#›</a:t>
+            </a:fld>
+            <a:endParaRPr/>
+          </a:p>
+        </p:txBody>
+      </p:sp>
+      <p:sp>
+        <p:nvSpPr>
+          <p:cNvPr id="102" name="Google Shape;102;p19"/>
+          <p:cNvSpPr/>
+          <p:nvPr/>
+        </p:nvSpPr>
+        <p:spPr>
+          <a:xfrm>
+            <a:off x="4127625" y="1102328"/>
+            <a:ext cx="888759" cy="818862"/>
+          </a:xfrm>
+          <a:custGeom>
+            <a:rect b="b" l="l" r="r" t="t"/>
+            <a:pathLst>
+              <a:path extrusionOk="0" h="15403" w="16717">
+                <a:moveTo>
+                  <a:pt x="9149" y="511"/>
+                </a:moveTo>
+                <a:lnTo>
+                  <a:pt x="9587" y="560"/>
+                </a:lnTo>
+                <a:lnTo>
+                  <a:pt x="10025" y="608"/>
+                </a:lnTo>
+                <a:lnTo>
+                  <a:pt x="10439" y="681"/>
+                </a:lnTo>
+                <a:lnTo>
+                  <a:pt x="10877" y="779"/>
+                </a:lnTo>
+                <a:lnTo>
+                  <a:pt x="11290" y="900"/>
+                </a:lnTo>
+                <a:lnTo>
+                  <a:pt x="11704" y="1046"/>
+                </a:lnTo>
+                <a:lnTo>
+                  <a:pt x="12093" y="1217"/>
+                </a:lnTo>
+                <a:lnTo>
+                  <a:pt x="12483" y="1411"/>
+                </a:lnTo>
+                <a:lnTo>
+                  <a:pt x="12994" y="1703"/>
+                </a:lnTo>
+                <a:lnTo>
+                  <a:pt x="13505" y="2020"/>
+                </a:lnTo>
+                <a:lnTo>
+                  <a:pt x="13967" y="2360"/>
+                </a:lnTo>
+                <a:lnTo>
+                  <a:pt x="14210" y="2555"/>
+                </a:lnTo>
+                <a:lnTo>
+                  <a:pt x="14405" y="2750"/>
+                </a:lnTo>
+                <a:lnTo>
+                  <a:pt x="14332" y="2871"/>
+                </a:lnTo>
+                <a:lnTo>
+                  <a:pt x="14308" y="3017"/>
+                </a:lnTo>
+                <a:lnTo>
+                  <a:pt x="14308" y="3066"/>
+                </a:lnTo>
+                <a:lnTo>
+                  <a:pt x="14332" y="3090"/>
+                </a:lnTo>
+                <a:lnTo>
+                  <a:pt x="14405" y="3139"/>
+                </a:lnTo>
+                <a:lnTo>
+                  <a:pt x="14478" y="3139"/>
+                </a:lnTo>
+                <a:lnTo>
+                  <a:pt x="14551" y="3090"/>
+                </a:lnTo>
+                <a:lnTo>
+                  <a:pt x="14624" y="2993"/>
+                </a:lnTo>
+                <a:lnTo>
+                  <a:pt x="14867" y="3285"/>
+                </a:lnTo>
+                <a:lnTo>
+                  <a:pt x="14770" y="3358"/>
+                </a:lnTo>
+                <a:lnTo>
+                  <a:pt x="14697" y="3431"/>
+                </a:lnTo>
+                <a:lnTo>
+                  <a:pt x="14600" y="3601"/>
+                </a:lnTo>
+                <a:lnTo>
+                  <a:pt x="14575" y="3674"/>
+                </a:lnTo>
+                <a:lnTo>
+                  <a:pt x="14575" y="3723"/>
+                </a:lnTo>
+                <a:lnTo>
+                  <a:pt x="14575" y="3772"/>
+                </a:lnTo>
+                <a:lnTo>
+                  <a:pt x="14600" y="3796"/>
+                </a:lnTo>
+                <a:lnTo>
+                  <a:pt x="14648" y="3796"/>
+                </a:lnTo>
+                <a:lnTo>
+                  <a:pt x="14721" y="3772"/>
+                </a:lnTo>
+                <a:lnTo>
+                  <a:pt x="14867" y="3699"/>
+                </a:lnTo>
+                <a:lnTo>
+                  <a:pt x="15086" y="3601"/>
+                </a:lnTo>
+                <a:lnTo>
+                  <a:pt x="15208" y="3820"/>
+                </a:lnTo>
+                <a:lnTo>
+                  <a:pt x="15305" y="4064"/>
+                </a:lnTo>
+                <a:lnTo>
+                  <a:pt x="15111" y="4137"/>
+                </a:lnTo>
+                <a:lnTo>
+                  <a:pt x="15013" y="4185"/>
+                </a:lnTo>
+                <a:lnTo>
+                  <a:pt x="14916" y="4234"/>
+                </a:lnTo>
+                <a:lnTo>
+                  <a:pt x="14892" y="4307"/>
+                </a:lnTo>
+                <a:lnTo>
+                  <a:pt x="14892" y="4380"/>
+                </a:lnTo>
+                <a:lnTo>
+                  <a:pt x="14940" y="4429"/>
+                </a:lnTo>
+                <a:lnTo>
+                  <a:pt x="15013" y="4453"/>
+                </a:lnTo>
+                <a:lnTo>
+                  <a:pt x="15135" y="4453"/>
+                </a:lnTo>
+                <a:lnTo>
+                  <a:pt x="15232" y="4429"/>
+                </a:lnTo>
+                <a:lnTo>
+                  <a:pt x="15427" y="4380"/>
+                </a:lnTo>
+                <a:lnTo>
+                  <a:pt x="15573" y="4915"/>
+                </a:lnTo>
+                <a:lnTo>
+                  <a:pt x="15403" y="4964"/>
+                </a:lnTo>
+                <a:lnTo>
+                  <a:pt x="15232" y="5061"/>
+                </a:lnTo>
+                <a:lnTo>
+                  <a:pt x="15086" y="5183"/>
+                </a:lnTo>
+                <a:lnTo>
+                  <a:pt x="15038" y="5256"/>
+                </a:lnTo>
+                <a:lnTo>
+                  <a:pt x="15013" y="5329"/>
+                </a:lnTo>
+                <a:lnTo>
+                  <a:pt x="15013" y="5378"/>
+                </a:lnTo>
+                <a:lnTo>
+                  <a:pt x="15038" y="5402"/>
+                </a:lnTo>
+                <a:lnTo>
+                  <a:pt x="15062" y="5426"/>
+                </a:lnTo>
+                <a:lnTo>
+                  <a:pt x="15111" y="5451"/>
+                </a:lnTo>
+                <a:lnTo>
+                  <a:pt x="15208" y="5451"/>
+                </a:lnTo>
+                <a:lnTo>
+                  <a:pt x="15305" y="5426"/>
+                </a:lnTo>
+                <a:lnTo>
+                  <a:pt x="15476" y="5353"/>
+                </a:lnTo>
+                <a:lnTo>
+                  <a:pt x="15695" y="5305"/>
+                </a:lnTo>
+                <a:lnTo>
+                  <a:pt x="15792" y="5743"/>
+                </a:lnTo>
+                <a:lnTo>
+                  <a:pt x="15622" y="5816"/>
+                </a:lnTo>
+                <a:lnTo>
+                  <a:pt x="15451" y="5864"/>
+                </a:lnTo>
+                <a:lnTo>
+                  <a:pt x="15305" y="5937"/>
+                </a:lnTo>
+                <a:lnTo>
+                  <a:pt x="15159" y="6035"/>
+                </a:lnTo>
+                <a:lnTo>
+                  <a:pt x="15013" y="6132"/>
+                </a:lnTo>
+                <a:lnTo>
+                  <a:pt x="15013" y="6181"/>
+                </a:lnTo>
+                <a:lnTo>
+                  <a:pt x="15013" y="6205"/>
+                </a:lnTo>
+                <a:lnTo>
+                  <a:pt x="15038" y="6229"/>
+                </a:lnTo>
+                <a:lnTo>
+                  <a:pt x="15403" y="6229"/>
+                </a:lnTo>
+                <a:lnTo>
+                  <a:pt x="15719" y="6181"/>
+                </a:lnTo>
+                <a:lnTo>
+                  <a:pt x="15914" y="6156"/>
+                </a:lnTo>
+                <a:lnTo>
+                  <a:pt x="16035" y="6594"/>
+                </a:lnTo>
+                <a:lnTo>
+                  <a:pt x="15768" y="6691"/>
+                </a:lnTo>
+                <a:lnTo>
+                  <a:pt x="15549" y="6764"/>
+                </a:lnTo>
+                <a:lnTo>
+                  <a:pt x="15184" y="6910"/>
+                </a:lnTo>
+                <a:lnTo>
+                  <a:pt x="15135" y="6935"/>
+                </a:lnTo>
+                <a:lnTo>
+                  <a:pt x="15062" y="6983"/>
+                </a:lnTo>
+                <a:lnTo>
+                  <a:pt x="15038" y="7032"/>
+                </a:lnTo>
+                <a:lnTo>
+                  <a:pt x="15013" y="7081"/>
+                </a:lnTo>
+                <a:lnTo>
+                  <a:pt x="15038" y="7056"/>
+                </a:lnTo>
+                <a:lnTo>
+                  <a:pt x="15013" y="7105"/>
+                </a:lnTo>
+                <a:lnTo>
+                  <a:pt x="15013" y="7129"/>
+                </a:lnTo>
+                <a:lnTo>
+                  <a:pt x="15038" y="7154"/>
+                </a:lnTo>
+                <a:lnTo>
+                  <a:pt x="15086" y="7202"/>
+                </a:lnTo>
+                <a:lnTo>
+                  <a:pt x="15208" y="7227"/>
+                </a:lnTo>
+                <a:lnTo>
+                  <a:pt x="15403" y="7227"/>
+                </a:lnTo>
+                <a:lnTo>
+                  <a:pt x="15622" y="7178"/>
+                </a:lnTo>
+                <a:lnTo>
+                  <a:pt x="15841" y="7129"/>
+                </a:lnTo>
+                <a:lnTo>
+                  <a:pt x="16108" y="7056"/>
+                </a:lnTo>
+                <a:lnTo>
+                  <a:pt x="16108" y="7397"/>
+                </a:lnTo>
+                <a:lnTo>
+                  <a:pt x="16108" y="7713"/>
+                </a:lnTo>
+                <a:lnTo>
+                  <a:pt x="16035" y="7713"/>
+                </a:lnTo>
+                <a:lnTo>
+                  <a:pt x="15670" y="7762"/>
+                </a:lnTo>
+                <a:lnTo>
+                  <a:pt x="15330" y="7786"/>
+                </a:lnTo>
+                <a:lnTo>
+                  <a:pt x="14965" y="7835"/>
+                </a:lnTo>
+                <a:lnTo>
+                  <a:pt x="14600" y="7932"/>
+                </a:lnTo>
+                <a:lnTo>
+                  <a:pt x="14575" y="7957"/>
+                </a:lnTo>
+                <a:lnTo>
+                  <a:pt x="14575" y="7981"/>
+                </a:lnTo>
+                <a:lnTo>
+                  <a:pt x="14575" y="8005"/>
+                </a:lnTo>
+                <a:lnTo>
+                  <a:pt x="14600" y="8030"/>
+                </a:lnTo>
+                <a:lnTo>
+                  <a:pt x="15330" y="8151"/>
+                </a:lnTo>
+                <a:lnTo>
+                  <a:pt x="15500" y="8176"/>
+                </a:lnTo>
+                <a:lnTo>
+                  <a:pt x="15695" y="8200"/>
+                </a:lnTo>
+                <a:lnTo>
+                  <a:pt x="15865" y="8176"/>
+                </a:lnTo>
+                <a:lnTo>
+                  <a:pt x="16035" y="8127"/>
+                </a:lnTo>
+                <a:lnTo>
+                  <a:pt x="16035" y="8176"/>
+                </a:lnTo>
+                <a:lnTo>
+                  <a:pt x="15938" y="8565"/>
+                </a:lnTo>
+                <a:lnTo>
+                  <a:pt x="15816" y="8930"/>
+                </a:lnTo>
+                <a:lnTo>
+                  <a:pt x="15524" y="8881"/>
+                </a:lnTo>
+                <a:lnTo>
+                  <a:pt x="15232" y="8833"/>
+                </a:lnTo>
+                <a:lnTo>
+                  <a:pt x="15013" y="8784"/>
+                </a:lnTo>
+                <a:lnTo>
+                  <a:pt x="14794" y="8760"/>
+                </a:lnTo>
+                <a:lnTo>
+                  <a:pt x="14332" y="8784"/>
+                </a:lnTo>
+                <a:lnTo>
+                  <a:pt x="14308" y="8784"/>
+                </a:lnTo>
+                <a:lnTo>
+                  <a:pt x="14308" y="8808"/>
+                </a:lnTo>
+                <a:lnTo>
+                  <a:pt x="14308" y="8833"/>
+                </a:lnTo>
+                <a:lnTo>
+                  <a:pt x="14332" y="8833"/>
+                </a:lnTo>
+                <a:lnTo>
+                  <a:pt x="14478" y="8881"/>
+                </a:lnTo>
+                <a:lnTo>
+                  <a:pt x="14624" y="8954"/>
+                </a:lnTo>
+                <a:lnTo>
+                  <a:pt x="14965" y="9125"/>
+                </a:lnTo>
+                <a:lnTo>
+                  <a:pt x="15281" y="9271"/>
+                </a:lnTo>
+                <a:lnTo>
+                  <a:pt x="15451" y="9319"/>
+                </a:lnTo>
+                <a:lnTo>
+                  <a:pt x="15622" y="9368"/>
+                </a:lnTo>
+                <a:lnTo>
+                  <a:pt x="15500" y="9636"/>
+                </a:lnTo>
+                <a:lnTo>
+                  <a:pt x="15354" y="9903"/>
+                </a:lnTo>
+                <a:lnTo>
+                  <a:pt x="15135" y="9782"/>
+                </a:lnTo>
+                <a:lnTo>
+                  <a:pt x="14916" y="9684"/>
+                </a:lnTo>
+                <a:lnTo>
+                  <a:pt x="14429" y="9563"/>
+                </a:lnTo>
+                <a:lnTo>
+                  <a:pt x="14210" y="9490"/>
+                </a:lnTo>
+                <a:lnTo>
+                  <a:pt x="13943" y="9441"/>
+                </a:lnTo>
+                <a:lnTo>
+                  <a:pt x="13699" y="9417"/>
+                </a:lnTo>
+                <a:lnTo>
+                  <a:pt x="13553" y="9417"/>
+                </a:lnTo>
+                <a:lnTo>
+                  <a:pt x="13456" y="9465"/>
+                </a:lnTo>
+                <a:lnTo>
+                  <a:pt x="13432" y="9490"/>
+                </a:lnTo>
+                <a:lnTo>
+                  <a:pt x="13432" y="9514"/>
+                </a:lnTo>
+                <a:lnTo>
+                  <a:pt x="13578" y="9636"/>
+                </a:lnTo>
+                <a:lnTo>
+                  <a:pt x="13772" y="9733"/>
+                </a:lnTo>
+                <a:lnTo>
+                  <a:pt x="14137" y="9855"/>
+                </a:lnTo>
+                <a:lnTo>
+                  <a:pt x="14648" y="10049"/>
+                </a:lnTo>
+                <a:lnTo>
+                  <a:pt x="14892" y="10147"/>
+                </a:lnTo>
+                <a:lnTo>
+                  <a:pt x="15135" y="10244"/>
+                </a:lnTo>
+                <a:lnTo>
+                  <a:pt x="14794" y="10706"/>
+                </a:lnTo>
+                <a:lnTo>
+                  <a:pt x="14721" y="10658"/>
+                </a:lnTo>
+                <a:lnTo>
+                  <a:pt x="14624" y="10633"/>
+                </a:lnTo>
+                <a:lnTo>
+                  <a:pt x="14405" y="10560"/>
+                </a:lnTo>
+                <a:lnTo>
+                  <a:pt x="13991" y="10512"/>
+                </a:lnTo>
+                <a:lnTo>
+                  <a:pt x="13772" y="10439"/>
+                </a:lnTo>
+                <a:lnTo>
+                  <a:pt x="13505" y="10366"/>
+                </a:lnTo>
+                <a:lnTo>
+                  <a:pt x="13359" y="10341"/>
+                </a:lnTo>
+                <a:lnTo>
+                  <a:pt x="13213" y="10317"/>
+                </a:lnTo>
+                <a:lnTo>
+                  <a:pt x="13115" y="10341"/>
+                </a:lnTo>
+                <a:lnTo>
+                  <a:pt x="12994" y="10390"/>
+                </a:lnTo>
+                <a:lnTo>
+                  <a:pt x="12994" y="10414"/>
+                </a:lnTo>
+                <a:lnTo>
+                  <a:pt x="13018" y="10536"/>
+                </a:lnTo>
+                <a:lnTo>
+                  <a:pt x="13091" y="10609"/>
+                </a:lnTo>
+                <a:lnTo>
+                  <a:pt x="13188" y="10682"/>
+                </a:lnTo>
+                <a:lnTo>
+                  <a:pt x="13310" y="10731"/>
+                </a:lnTo>
+                <a:lnTo>
+                  <a:pt x="13553" y="10828"/>
+                </a:lnTo>
+                <a:lnTo>
+                  <a:pt x="13772" y="10877"/>
+                </a:lnTo>
+                <a:lnTo>
+                  <a:pt x="14113" y="10998"/>
+                </a:lnTo>
+                <a:lnTo>
+                  <a:pt x="14308" y="11047"/>
+                </a:lnTo>
+                <a:lnTo>
+                  <a:pt x="14502" y="11071"/>
+                </a:lnTo>
+                <a:lnTo>
+                  <a:pt x="14089" y="11509"/>
+                </a:lnTo>
+                <a:lnTo>
+                  <a:pt x="13943" y="11412"/>
+                </a:lnTo>
+                <a:lnTo>
+                  <a:pt x="13772" y="11339"/>
+                </a:lnTo>
+                <a:lnTo>
+                  <a:pt x="13432" y="11242"/>
+                </a:lnTo>
+                <a:lnTo>
+                  <a:pt x="13067" y="11144"/>
+                </a:lnTo>
+                <a:lnTo>
+                  <a:pt x="12702" y="11071"/>
+                </a:lnTo>
+                <a:lnTo>
+                  <a:pt x="12337" y="11047"/>
+                </a:lnTo>
+                <a:lnTo>
+                  <a:pt x="11972" y="11096"/>
+                </a:lnTo>
+                <a:lnTo>
+                  <a:pt x="11947" y="11096"/>
+                </a:lnTo>
+                <a:lnTo>
+                  <a:pt x="11899" y="11120"/>
+                </a:lnTo>
+                <a:lnTo>
+                  <a:pt x="11874" y="11193"/>
+                </a:lnTo>
+                <a:lnTo>
+                  <a:pt x="11850" y="11266"/>
+                </a:lnTo>
+                <a:lnTo>
+                  <a:pt x="11874" y="11290"/>
+                </a:lnTo>
+                <a:lnTo>
+                  <a:pt x="11899" y="11363"/>
+                </a:lnTo>
+                <a:lnTo>
+                  <a:pt x="11972" y="11412"/>
+                </a:lnTo>
+                <a:lnTo>
+                  <a:pt x="12580" y="11509"/>
+                </a:lnTo>
+                <a:lnTo>
+                  <a:pt x="12872" y="11582"/>
+                </a:lnTo>
+                <a:lnTo>
+                  <a:pt x="13164" y="11655"/>
+                </a:lnTo>
+                <a:lnTo>
+                  <a:pt x="13432" y="11753"/>
+                </a:lnTo>
+                <a:lnTo>
+                  <a:pt x="13675" y="11850"/>
+                </a:lnTo>
+                <a:lnTo>
+                  <a:pt x="13359" y="12118"/>
+                </a:lnTo>
+                <a:lnTo>
+                  <a:pt x="13018" y="12337"/>
+                </a:lnTo>
+                <a:lnTo>
+                  <a:pt x="12994" y="12288"/>
+                </a:lnTo>
+                <a:lnTo>
+                  <a:pt x="12945" y="12239"/>
+                </a:lnTo>
+                <a:lnTo>
+                  <a:pt x="12775" y="12166"/>
+                </a:lnTo>
+                <a:lnTo>
+                  <a:pt x="12604" y="12142"/>
+                </a:lnTo>
+                <a:lnTo>
+                  <a:pt x="12410" y="12118"/>
+                </a:lnTo>
+                <a:lnTo>
+                  <a:pt x="12215" y="12069"/>
+                </a:lnTo>
+                <a:lnTo>
+                  <a:pt x="11850" y="11947"/>
+                </a:lnTo>
+                <a:lnTo>
+                  <a:pt x="11558" y="11826"/>
+                </a:lnTo>
+                <a:lnTo>
+                  <a:pt x="11242" y="11704"/>
+                </a:lnTo>
+                <a:lnTo>
+                  <a:pt x="11096" y="11655"/>
+                </a:lnTo>
+                <a:lnTo>
+                  <a:pt x="10950" y="11607"/>
+                </a:lnTo>
+                <a:lnTo>
+                  <a:pt x="10779" y="11582"/>
+                </a:lnTo>
+                <a:lnTo>
+                  <a:pt x="10633" y="11582"/>
+                </a:lnTo>
+                <a:lnTo>
+                  <a:pt x="10609" y="11607"/>
+                </a:lnTo>
+                <a:lnTo>
+                  <a:pt x="10609" y="11655"/>
+                </a:lnTo>
+                <a:lnTo>
+                  <a:pt x="10682" y="11753"/>
+                </a:lnTo>
+                <a:lnTo>
+                  <a:pt x="10804" y="11874"/>
+                </a:lnTo>
+                <a:lnTo>
+                  <a:pt x="10925" y="11947"/>
+                </a:lnTo>
+                <a:lnTo>
+                  <a:pt x="11047" y="12045"/>
+                </a:lnTo>
+                <a:lnTo>
+                  <a:pt x="11315" y="12166"/>
+                </a:lnTo>
+                <a:lnTo>
+                  <a:pt x="11582" y="12288"/>
+                </a:lnTo>
+                <a:lnTo>
+                  <a:pt x="11826" y="12385"/>
+                </a:lnTo>
+                <a:lnTo>
+                  <a:pt x="12093" y="12483"/>
+                </a:lnTo>
+                <a:lnTo>
+                  <a:pt x="12361" y="12556"/>
+                </a:lnTo>
+                <a:lnTo>
+                  <a:pt x="12507" y="12580"/>
+                </a:lnTo>
+                <a:lnTo>
+                  <a:pt x="12629" y="12580"/>
+                </a:lnTo>
+                <a:lnTo>
+                  <a:pt x="12239" y="12799"/>
+                </a:lnTo>
+                <a:lnTo>
+                  <a:pt x="11850" y="12969"/>
+                </a:lnTo>
+                <a:lnTo>
+                  <a:pt x="11801" y="12921"/>
+                </a:lnTo>
+                <a:lnTo>
+                  <a:pt x="11680" y="12823"/>
+                </a:lnTo>
+                <a:lnTo>
+                  <a:pt x="11558" y="12775"/>
+                </a:lnTo>
+                <a:lnTo>
+                  <a:pt x="11266" y="12677"/>
+                </a:lnTo>
+                <a:lnTo>
+                  <a:pt x="10998" y="12604"/>
+                </a:lnTo>
+                <a:lnTo>
+                  <a:pt x="10731" y="12531"/>
+                </a:lnTo>
+                <a:lnTo>
+                  <a:pt x="10585" y="12458"/>
+                </a:lnTo>
+                <a:lnTo>
+                  <a:pt x="10439" y="12385"/>
+                </a:lnTo>
+                <a:lnTo>
+                  <a:pt x="10171" y="12239"/>
+                </a:lnTo>
+                <a:lnTo>
+                  <a:pt x="10025" y="12166"/>
+                </a:lnTo>
+                <a:lnTo>
+                  <a:pt x="9879" y="12118"/>
+                </a:lnTo>
+                <a:lnTo>
+                  <a:pt x="9733" y="12093"/>
+                </a:lnTo>
+                <a:lnTo>
+                  <a:pt x="9563" y="12093"/>
+                </a:lnTo>
+                <a:lnTo>
+                  <a:pt x="9514" y="12118"/>
+                </a:lnTo>
+                <a:lnTo>
+                  <a:pt x="9490" y="12142"/>
+                </a:lnTo>
+                <a:lnTo>
+                  <a:pt x="9490" y="12191"/>
+                </a:lnTo>
+                <a:lnTo>
+                  <a:pt x="9514" y="12215"/>
+                </a:lnTo>
+                <a:lnTo>
+                  <a:pt x="9733" y="12410"/>
+                </a:lnTo>
+                <a:lnTo>
+                  <a:pt x="9952" y="12580"/>
+                </a:lnTo>
+                <a:lnTo>
+                  <a:pt x="10220" y="12750"/>
+                </a:lnTo>
+                <a:lnTo>
+                  <a:pt x="10463" y="12872"/>
+                </a:lnTo>
+                <a:lnTo>
+                  <a:pt x="10682" y="12969"/>
+                </a:lnTo>
+                <a:lnTo>
+                  <a:pt x="10901" y="13042"/>
+                </a:lnTo>
+                <a:lnTo>
+                  <a:pt x="11363" y="13188"/>
+                </a:lnTo>
+                <a:lnTo>
+                  <a:pt x="10852" y="13359"/>
+                </a:lnTo>
+                <a:lnTo>
+                  <a:pt x="10317" y="13505"/>
+                </a:lnTo>
+                <a:lnTo>
+                  <a:pt x="10317" y="13480"/>
+                </a:lnTo>
+                <a:lnTo>
+                  <a:pt x="10366" y="13359"/>
+                </a:lnTo>
+                <a:lnTo>
+                  <a:pt x="10366" y="13310"/>
+                </a:lnTo>
+                <a:lnTo>
+                  <a:pt x="10342" y="13261"/>
+                </a:lnTo>
+                <a:lnTo>
+                  <a:pt x="10293" y="13213"/>
+                </a:lnTo>
+                <a:lnTo>
+                  <a:pt x="10244" y="13164"/>
+                </a:lnTo>
+                <a:lnTo>
+                  <a:pt x="9198" y="12604"/>
+                </a:lnTo>
+                <a:lnTo>
+                  <a:pt x="9028" y="12507"/>
+                </a:lnTo>
+                <a:lnTo>
+                  <a:pt x="8809" y="12410"/>
+                </a:lnTo>
+                <a:lnTo>
+                  <a:pt x="8711" y="12385"/>
+                </a:lnTo>
+                <a:lnTo>
+                  <a:pt x="8590" y="12361"/>
+                </a:lnTo>
+                <a:lnTo>
+                  <a:pt x="8492" y="12385"/>
+                </a:lnTo>
+                <a:lnTo>
+                  <a:pt x="8419" y="12434"/>
+                </a:lnTo>
+                <a:lnTo>
+                  <a:pt x="8419" y="12458"/>
+                </a:lnTo>
+                <a:lnTo>
+                  <a:pt x="8444" y="12556"/>
+                </a:lnTo>
+                <a:lnTo>
+                  <a:pt x="8517" y="12629"/>
+                </a:lnTo>
+                <a:lnTo>
+                  <a:pt x="8687" y="12799"/>
+                </a:lnTo>
+                <a:lnTo>
+                  <a:pt x="9028" y="13042"/>
+                </a:lnTo>
+                <a:lnTo>
+                  <a:pt x="9490" y="13334"/>
+                </a:lnTo>
+                <a:lnTo>
+                  <a:pt x="9733" y="13456"/>
+                </a:lnTo>
+                <a:lnTo>
+                  <a:pt x="10001" y="13553"/>
+                </a:lnTo>
+                <a:lnTo>
+                  <a:pt x="9539" y="13651"/>
+                </a:lnTo>
+                <a:lnTo>
+                  <a:pt x="9076" y="13699"/>
+                </a:lnTo>
+                <a:lnTo>
+                  <a:pt x="9052" y="13651"/>
+                </a:lnTo>
+                <a:lnTo>
+                  <a:pt x="8857" y="13480"/>
+                </a:lnTo>
+                <a:lnTo>
+                  <a:pt x="8638" y="13334"/>
+                </a:lnTo>
+                <a:lnTo>
+                  <a:pt x="8176" y="13067"/>
+                </a:lnTo>
+                <a:lnTo>
+                  <a:pt x="7762" y="12799"/>
+                </a:lnTo>
+                <a:lnTo>
+                  <a:pt x="7568" y="12677"/>
+                </a:lnTo>
+                <a:lnTo>
+                  <a:pt x="7349" y="12604"/>
+                </a:lnTo>
+                <a:lnTo>
+                  <a:pt x="7300" y="12604"/>
+                </a:lnTo>
+                <a:lnTo>
+                  <a:pt x="7276" y="12653"/>
+                </a:lnTo>
+                <a:lnTo>
+                  <a:pt x="7276" y="12775"/>
+                </a:lnTo>
+                <a:lnTo>
+                  <a:pt x="7300" y="12872"/>
+                </a:lnTo>
+                <a:lnTo>
+                  <a:pt x="7373" y="12969"/>
+                </a:lnTo>
+                <a:lnTo>
+                  <a:pt x="7446" y="13042"/>
+                </a:lnTo>
+                <a:lnTo>
+                  <a:pt x="7616" y="13213"/>
+                </a:lnTo>
+                <a:lnTo>
+                  <a:pt x="7787" y="13334"/>
+                </a:lnTo>
+                <a:lnTo>
+                  <a:pt x="8103" y="13553"/>
+                </a:lnTo>
+                <a:lnTo>
+                  <a:pt x="8444" y="13748"/>
+                </a:lnTo>
+                <a:lnTo>
+                  <a:pt x="8346" y="13748"/>
+                </a:lnTo>
+                <a:lnTo>
+                  <a:pt x="7835" y="13772"/>
+                </a:lnTo>
+                <a:lnTo>
+                  <a:pt x="7349" y="13724"/>
+                </a:lnTo>
+                <a:lnTo>
+                  <a:pt x="7373" y="13699"/>
+                </a:lnTo>
+                <a:lnTo>
+                  <a:pt x="7397" y="13651"/>
+                </a:lnTo>
+                <a:lnTo>
+                  <a:pt x="7422" y="13578"/>
+                </a:lnTo>
+                <a:lnTo>
+                  <a:pt x="7397" y="13529"/>
+                </a:lnTo>
+                <a:lnTo>
+                  <a:pt x="7373" y="13456"/>
+                </a:lnTo>
+                <a:lnTo>
+                  <a:pt x="7324" y="13383"/>
+                </a:lnTo>
+                <a:lnTo>
+                  <a:pt x="7203" y="13286"/>
+                </a:lnTo>
+                <a:lnTo>
+                  <a:pt x="6911" y="13091"/>
+                </a:lnTo>
+                <a:lnTo>
+                  <a:pt x="6643" y="12872"/>
+                </a:lnTo>
+                <a:lnTo>
+                  <a:pt x="6521" y="12799"/>
+                </a:lnTo>
+                <a:lnTo>
+                  <a:pt x="6448" y="12750"/>
+                </a:lnTo>
+                <a:lnTo>
+                  <a:pt x="6424" y="12702"/>
+                </a:lnTo>
+                <a:lnTo>
+                  <a:pt x="6424" y="12677"/>
+                </a:lnTo>
+                <a:lnTo>
+                  <a:pt x="6400" y="12677"/>
+                </a:lnTo>
+                <a:lnTo>
+                  <a:pt x="6375" y="12702"/>
+                </a:lnTo>
+                <a:lnTo>
+                  <a:pt x="6351" y="12775"/>
+                </a:lnTo>
+                <a:lnTo>
+                  <a:pt x="6327" y="12823"/>
+                </a:lnTo>
+                <a:lnTo>
+                  <a:pt x="6351" y="12969"/>
+                </a:lnTo>
+                <a:lnTo>
+                  <a:pt x="6400" y="13042"/>
+                </a:lnTo>
+                <a:lnTo>
+                  <a:pt x="6448" y="13140"/>
+                </a:lnTo>
+                <a:lnTo>
+                  <a:pt x="6570" y="13286"/>
+                </a:lnTo>
+                <a:lnTo>
+                  <a:pt x="6716" y="13432"/>
+                </a:lnTo>
+                <a:lnTo>
+                  <a:pt x="6862" y="13553"/>
+                </a:lnTo>
+                <a:lnTo>
+                  <a:pt x="7032" y="13675"/>
+                </a:lnTo>
+                <a:lnTo>
+                  <a:pt x="7032" y="13675"/>
+                </a:lnTo>
+                <a:lnTo>
+                  <a:pt x="6619" y="13578"/>
+                </a:lnTo>
+                <a:lnTo>
+                  <a:pt x="6229" y="13456"/>
+                </a:lnTo>
+                <a:lnTo>
+                  <a:pt x="5864" y="13334"/>
+                </a:lnTo>
+                <a:lnTo>
+                  <a:pt x="5670" y="13286"/>
+                </a:lnTo>
+                <a:lnTo>
+                  <a:pt x="5475" y="13261"/>
+                </a:lnTo>
+                <a:lnTo>
+                  <a:pt x="5280" y="13237"/>
+                </a:lnTo>
+                <a:lnTo>
+                  <a:pt x="5086" y="13261"/>
+                </a:lnTo>
+                <a:lnTo>
+                  <a:pt x="4988" y="13286"/>
+                </a:lnTo>
+                <a:lnTo>
+                  <a:pt x="4915" y="13334"/>
+                </a:lnTo>
+                <a:lnTo>
+                  <a:pt x="4842" y="13407"/>
+                </a:lnTo>
+                <a:lnTo>
+                  <a:pt x="4818" y="13505"/>
+                </a:lnTo>
+                <a:lnTo>
+                  <a:pt x="4672" y="13651"/>
+                </a:lnTo>
+                <a:lnTo>
+                  <a:pt x="4502" y="13797"/>
+                </a:lnTo>
+                <a:lnTo>
+                  <a:pt x="4331" y="13943"/>
+                </a:lnTo>
+                <a:lnTo>
+                  <a:pt x="4161" y="14064"/>
+                </a:lnTo>
+                <a:lnTo>
+                  <a:pt x="3869" y="14259"/>
+                </a:lnTo>
+                <a:lnTo>
+                  <a:pt x="3553" y="14405"/>
+                </a:lnTo>
+                <a:lnTo>
+                  <a:pt x="3212" y="14551"/>
+                </a:lnTo>
+                <a:lnTo>
+                  <a:pt x="2896" y="14648"/>
+                </a:lnTo>
+                <a:lnTo>
+                  <a:pt x="2555" y="14745"/>
+                </a:lnTo>
+                <a:lnTo>
+                  <a:pt x="2190" y="14818"/>
+                </a:lnTo>
+                <a:lnTo>
+                  <a:pt x="1825" y="14867"/>
+                </a:lnTo>
+                <a:lnTo>
+                  <a:pt x="1485" y="14891"/>
+                </a:lnTo>
+                <a:lnTo>
+                  <a:pt x="1314" y="14891"/>
+                </a:lnTo>
+                <a:lnTo>
+                  <a:pt x="1144" y="14867"/>
+                </a:lnTo>
+                <a:lnTo>
+                  <a:pt x="1436" y="14672"/>
+                </a:lnTo>
+                <a:lnTo>
+                  <a:pt x="1728" y="14453"/>
+                </a:lnTo>
+                <a:lnTo>
+                  <a:pt x="1996" y="14210"/>
+                </a:lnTo>
+                <a:lnTo>
+                  <a:pt x="2239" y="13991"/>
+                </a:lnTo>
+                <a:lnTo>
+                  <a:pt x="2604" y="13626"/>
+                </a:lnTo>
+                <a:lnTo>
+                  <a:pt x="2774" y="13432"/>
+                </a:lnTo>
+                <a:lnTo>
+                  <a:pt x="2944" y="13188"/>
+                </a:lnTo>
+                <a:lnTo>
+                  <a:pt x="3066" y="12945"/>
+                </a:lnTo>
+                <a:lnTo>
+                  <a:pt x="3163" y="12702"/>
+                </a:lnTo>
+                <a:lnTo>
+                  <a:pt x="3212" y="12458"/>
+                </a:lnTo>
+                <a:lnTo>
+                  <a:pt x="3212" y="12337"/>
+                </a:lnTo>
+                <a:lnTo>
+                  <a:pt x="3212" y="12215"/>
+                </a:lnTo>
+                <a:lnTo>
+                  <a:pt x="3236" y="12118"/>
+                </a:lnTo>
+                <a:lnTo>
+                  <a:pt x="3212" y="12045"/>
+                </a:lnTo>
+                <a:lnTo>
+                  <a:pt x="3188" y="11972"/>
+                </a:lnTo>
+                <a:lnTo>
+                  <a:pt x="3115" y="11923"/>
+                </a:lnTo>
+                <a:lnTo>
+                  <a:pt x="2920" y="11826"/>
+                </a:lnTo>
+                <a:lnTo>
+                  <a:pt x="2750" y="11704"/>
+                </a:lnTo>
+                <a:lnTo>
+                  <a:pt x="2409" y="11461"/>
+                </a:lnTo>
+                <a:lnTo>
+                  <a:pt x="2117" y="11169"/>
+                </a:lnTo>
+                <a:lnTo>
+                  <a:pt x="1850" y="10852"/>
+                </a:lnTo>
+                <a:lnTo>
+                  <a:pt x="1631" y="10512"/>
+                </a:lnTo>
+                <a:lnTo>
+                  <a:pt x="1412" y="10147"/>
+                </a:lnTo>
+                <a:lnTo>
+                  <a:pt x="1241" y="9757"/>
+                </a:lnTo>
+                <a:lnTo>
+                  <a:pt x="1095" y="9368"/>
+                </a:lnTo>
+                <a:lnTo>
+                  <a:pt x="949" y="8979"/>
+                </a:lnTo>
+                <a:lnTo>
+                  <a:pt x="828" y="8565"/>
+                </a:lnTo>
+                <a:lnTo>
+                  <a:pt x="755" y="8127"/>
+                </a:lnTo>
+                <a:lnTo>
+                  <a:pt x="682" y="7689"/>
+                </a:lnTo>
+                <a:lnTo>
+                  <a:pt x="657" y="7251"/>
+                </a:lnTo>
+                <a:lnTo>
+                  <a:pt x="657" y="6837"/>
+                </a:lnTo>
+                <a:lnTo>
+                  <a:pt x="706" y="6399"/>
+                </a:lnTo>
+                <a:lnTo>
+                  <a:pt x="803" y="5986"/>
+                </a:lnTo>
+                <a:lnTo>
+                  <a:pt x="925" y="5548"/>
+                </a:lnTo>
+                <a:lnTo>
+                  <a:pt x="1120" y="5110"/>
+                </a:lnTo>
+                <a:lnTo>
+                  <a:pt x="1339" y="4696"/>
+                </a:lnTo>
+                <a:lnTo>
+                  <a:pt x="1606" y="4307"/>
+                </a:lnTo>
+                <a:lnTo>
+                  <a:pt x="1898" y="3869"/>
+                </a:lnTo>
+                <a:lnTo>
+                  <a:pt x="2166" y="3431"/>
+                </a:lnTo>
+                <a:lnTo>
+                  <a:pt x="2434" y="3017"/>
+                </a:lnTo>
+                <a:lnTo>
+                  <a:pt x="2604" y="2823"/>
+                </a:lnTo>
+                <a:lnTo>
+                  <a:pt x="2774" y="2628"/>
+                </a:lnTo>
+                <a:lnTo>
+                  <a:pt x="3115" y="2336"/>
+                </a:lnTo>
+                <a:lnTo>
+                  <a:pt x="3431" y="2068"/>
+                </a:lnTo>
+                <a:lnTo>
+                  <a:pt x="3772" y="1825"/>
+                </a:lnTo>
+                <a:lnTo>
+                  <a:pt x="4137" y="1582"/>
+                </a:lnTo>
+                <a:lnTo>
+                  <a:pt x="4502" y="1387"/>
+                </a:lnTo>
+                <a:lnTo>
+                  <a:pt x="4867" y="1192"/>
+                </a:lnTo>
+                <a:lnTo>
+                  <a:pt x="5256" y="1046"/>
+                </a:lnTo>
+                <a:lnTo>
+                  <a:pt x="5670" y="900"/>
+                </a:lnTo>
+                <a:lnTo>
+                  <a:pt x="6083" y="803"/>
+                </a:lnTo>
+                <a:lnTo>
+                  <a:pt x="6497" y="706"/>
+                </a:lnTo>
+                <a:lnTo>
+                  <a:pt x="6935" y="633"/>
+                </a:lnTo>
+                <a:lnTo>
+                  <a:pt x="7373" y="584"/>
+                </a:lnTo>
+                <a:lnTo>
+                  <a:pt x="7811" y="535"/>
+                </a:lnTo>
+                <a:lnTo>
+                  <a:pt x="8249" y="511"/>
+                </a:lnTo>
+                <a:close/>
+                <a:moveTo>
+                  <a:pt x="8444" y="0"/>
+                </a:moveTo>
+                <a:lnTo>
+                  <a:pt x="7641" y="24"/>
+                </a:lnTo>
+                <a:lnTo>
+                  <a:pt x="6838" y="122"/>
+                </a:lnTo>
+                <a:lnTo>
+                  <a:pt x="6351" y="195"/>
+                </a:lnTo>
+                <a:lnTo>
+                  <a:pt x="5889" y="292"/>
+                </a:lnTo>
+                <a:lnTo>
+                  <a:pt x="5426" y="414"/>
+                </a:lnTo>
+                <a:lnTo>
+                  <a:pt x="4964" y="560"/>
+                </a:lnTo>
+                <a:lnTo>
+                  <a:pt x="4502" y="730"/>
+                </a:lnTo>
+                <a:lnTo>
+                  <a:pt x="4088" y="949"/>
+                </a:lnTo>
+                <a:lnTo>
+                  <a:pt x="3674" y="1217"/>
+                </a:lnTo>
+                <a:lnTo>
+                  <a:pt x="3285" y="1509"/>
+                </a:lnTo>
+                <a:lnTo>
+                  <a:pt x="2823" y="1922"/>
+                </a:lnTo>
+                <a:lnTo>
+                  <a:pt x="2385" y="2312"/>
+                </a:lnTo>
+                <a:lnTo>
+                  <a:pt x="2166" y="2531"/>
+                </a:lnTo>
+                <a:lnTo>
+                  <a:pt x="1947" y="2725"/>
+                </a:lnTo>
+                <a:lnTo>
+                  <a:pt x="1752" y="2969"/>
+                </a:lnTo>
+                <a:lnTo>
+                  <a:pt x="1582" y="3212"/>
+                </a:lnTo>
+                <a:lnTo>
+                  <a:pt x="1266" y="3723"/>
+                </a:lnTo>
+                <a:lnTo>
+                  <a:pt x="974" y="4283"/>
+                </a:lnTo>
+                <a:lnTo>
+                  <a:pt x="682" y="4842"/>
+                </a:lnTo>
+                <a:lnTo>
+                  <a:pt x="438" y="5402"/>
+                </a:lnTo>
+                <a:lnTo>
+                  <a:pt x="341" y="5645"/>
+                </a:lnTo>
+                <a:lnTo>
+                  <a:pt x="268" y="5889"/>
+                </a:lnTo>
+                <a:lnTo>
+                  <a:pt x="195" y="6132"/>
+                </a:lnTo>
+                <a:lnTo>
+                  <a:pt x="146" y="6375"/>
+                </a:lnTo>
+                <a:lnTo>
+                  <a:pt x="122" y="6886"/>
+                </a:lnTo>
+                <a:lnTo>
+                  <a:pt x="122" y="7397"/>
+                </a:lnTo>
+                <a:lnTo>
+                  <a:pt x="171" y="7908"/>
+                </a:lnTo>
+                <a:lnTo>
+                  <a:pt x="268" y="8419"/>
+                </a:lnTo>
+                <a:lnTo>
+                  <a:pt x="390" y="8906"/>
+                </a:lnTo>
+                <a:lnTo>
+                  <a:pt x="536" y="9392"/>
+                </a:lnTo>
+                <a:lnTo>
+                  <a:pt x="682" y="9830"/>
+                </a:lnTo>
+                <a:lnTo>
+                  <a:pt x="876" y="10244"/>
+                </a:lnTo>
+                <a:lnTo>
+                  <a:pt x="1095" y="10658"/>
+                </a:lnTo>
+                <a:lnTo>
+                  <a:pt x="1339" y="11047"/>
+                </a:lnTo>
+                <a:lnTo>
+                  <a:pt x="1631" y="11412"/>
+                </a:lnTo>
+                <a:lnTo>
+                  <a:pt x="1947" y="11728"/>
+                </a:lnTo>
+                <a:lnTo>
+                  <a:pt x="2117" y="11874"/>
+                </a:lnTo>
+                <a:lnTo>
+                  <a:pt x="2312" y="12020"/>
+                </a:lnTo>
+                <a:lnTo>
+                  <a:pt x="2507" y="12142"/>
+                </a:lnTo>
+                <a:lnTo>
+                  <a:pt x="2701" y="12239"/>
+                </a:lnTo>
+                <a:lnTo>
+                  <a:pt x="2677" y="12458"/>
+                </a:lnTo>
+                <a:lnTo>
+                  <a:pt x="2604" y="12653"/>
+                </a:lnTo>
+                <a:lnTo>
+                  <a:pt x="2482" y="12848"/>
+                </a:lnTo>
+                <a:lnTo>
+                  <a:pt x="2361" y="13042"/>
+                </a:lnTo>
+                <a:lnTo>
+                  <a:pt x="2215" y="13213"/>
+                </a:lnTo>
+                <a:lnTo>
+                  <a:pt x="2069" y="13359"/>
+                </a:lnTo>
+                <a:lnTo>
+                  <a:pt x="1752" y="13675"/>
+                </a:lnTo>
+                <a:lnTo>
+                  <a:pt x="1412" y="13967"/>
+                </a:lnTo>
+                <a:lnTo>
+                  <a:pt x="1047" y="14259"/>
+                </a:lnTo>
+                <a:lnTo>
+                  <a:pt x="828" y="14381"/>
+                </a:lnTo>
+                <a:lnTo>
+                  <a:pt x="633" y="14478"/>
+                </a:lnTo>
+                <a:lnTo>
+                  <a:pt x="414" y="14575"/>
+                </a:lnTo>
+                <a:lnTo>
+                  <a:pt x="195" y="14648"/>
+                </a:lnTo>
+                <a:lnTo>
+                  <a:pt x="98" y="14697"/>
+                </a:lnTo>
+                <a:lnTo>
+                  <a:pt x="25" y="14794"/>
+                </a:lnTo>
+                <a:lnTo>
+                  <a:pt x="0" y="14891"/>
+                </a:lnTo>
+                <a:lnTo>
+                  <a:pt x="25" y="14989"/>
+                </a:lnTo>
+                <a:lnTo>
+                  <a:pt x="49" y="15086"/>
+                </a:lnTo>
+                <a:lnTo>
+                  <a:pt x="146" y="15159"/>
+                </a:lnTo>
+                <a:lnTo>
+                  <a:pt x="244" y="15208"/>
+                </a:lnTo>
+                <a:lnTo>
+                  <a:pt x="365" y="15208"/>
+                </a:lnTo>
+                <a:lnTo>
+                  <a:pt x="414" y="15183"/>
+                </a:lnTo>
+                <a:lnTo>
+                  <a:pt x="560" y="15256"/>
+                </a:lnTo>
+                <a:lnTo>
+                  <a:pt x="682" y="15305"/>
+                </a:lnTo>
+                <a:lnTo>
+                  <a:pt x="998" y="15378"/>
+                </a:lnTo>
+                <a:lnTo>
+                  <a:pt x="1314" y="15402"/>
+                </a:lnTo>
+                <a:lnTo>
+                  <a:pt x="1679" y="15402"/>
+                </a:lnTo>
+                <a:lnTo>
+                  <a:pt x="2020" y="15354"/>
+                </a:lnTo>
+                <a:lnTo>
+                  <a:pt x="2336" y="15305"/>
+                </a:lnTo>
+                <a:lnTo>
+                  <a:pt x="2896" y="15183"/>
+                </a:lnTo>
+                <a:lnTo>
+                  <a:pt x="3261" y="15062"/>
+                </a:lnTo>
+                <a:lnTo>
+                  <a:pt x="3626" y="14916"/>
+                </a:lnTo>
+                <a:lnTo>
+                  <a:pt x="3991" y="14770"/>
+                </a:lnTo>
+                <a:lnTo>
+                  <a:pt x="4331" y="14575"/>
+                </a:lnTo>
+                <a:lnTo>
+                  <a:pt x="4575" y="14429"/>
+                </a:lnTo>
+                <a:lnTo>
+                  <a:pt x="4818" y="14259"/>
+                </a:lnTo>
+                <a:lnTo>
+                  <a:pt x="5037" y="14040"/>
+                </a:lnTo>
+                <a:lnTo>
+                  <a:pt x="5134" y="13918"/>
+                </a:lnTo>
+                <a:lnTo>
+                  <a:pt x="5207" y="13797"/>
+                </a:lnTo>
+                <a:lnTo>
+                  <a:pt x="5426" y="13821"/>
+                </a:lnTo>
+                <a:lnTo>
+                  <a:pt x="5645" y="13845"/>
+                </a:lnTo>
+                <a:lnTo>
+                  <a:pt x="6059" y="13967"/>
+                </a:lnTo>
+                <a:lnTo>
+                  <a:pt x="6497" y="14113"/>
+                </a:lnTo>
+                <a:lnTo>
+                  <a:pt x="6692" y="14186"/>
+                </a:lnTo>
+                <a:lnTo>
+                  <a:pt x="6911" y="14235"/>
+                </a:lnTo>
+                <a:lnTo>
+                  <a:pt x="7178" y="14283"/>
+                </a:lnTo>
+                <a:lnTo>
+                  <a:pt x="7446" y="14308"/>
+                </a:lnTo>
+                <a:lnTo>
+                  <a:pt x="7981" y="14332"/>
+                </a:lnTo>
+                <a:lnTo>
+                  <a:pt x="8517" y="14308"/>
+                </a:lnTo>
+                <a:lnTo>
+                  <a:pt x="9052" y="14259"/>
+                </a:lnTo>
+                <a:lnTo>
+                  <a:pt x="9490" y="14210"/>
+                </a:lnTo>
+                <a:lnTo>
+                  <a:pt x="9952" y="14137"/>
+                </a:lnTo>
+                <a:lnTo>
+                  <a:pt x="10390" y="14040"/>
+                </a:lnTo>
+                <a:lnTo>
+                  <a:pt x="10828" y="13918"/>
+                </a:lnTo>
+                <a:lnTo>
+                  <a:pt x="11266" y="13797"/>
+                </a:lnTo>
+                <a:lnTo>
+                  <a:pt x="11680" y="13651"/>
+                </a:lnTo>
+                <a:lnTo>
+                  <a:pt x="12093" y="13480"/>
+                </a:lnTo>
+                <a:lnTo>
+                  <a:pt x="12507" y="13286"/>
+                </a:lnTo>
+                <a:lnTo>
+                  <a:pt x="12921" y="13067"/>
+                </a:lnTo>
+                <a:lnTo>
+                  <a:pt x="13310" y="12823"/>
+                </a:lnTo>
+                <a:lnTo>
+                  <a:pt x="13699" y="12556"/>
+                </a:lnTo>
+                <a:lnTo>
+                  <a:pt x="14089" y="12264"/>
+                </a:lnTo>
+                <a:lnTo>
+                  <a:pt x="14429" y="11947"/>
+                </a:lnTo>
+                <a:lnTo>
+                  <a:pt x="14770" y="11607"/>
+                </a:lnTo>
+                <a:lnTo>
+                  <a:pt x="15111" y="11266"/>
+                </a:lnTo>
+                <a:lnTo>
+                  <a:pt x="15403" y="10901"/>
+                </a:lnTo>
+                <a:lnTo>
+                  <a:pt x="15670" y="10512"/>
+                </a:lnTo>
+                <a:lnTo>
+                  <a:pt x="15914" y="10098"/>
+                </a:lnTo>
+                <a:lnTo>
+                  <a:pt x="16133" y="9684"/>
+                </a:lnTo>
+                <a:lnTo>
+                  <a:pt x="16327" y="9246"/>
+                </a:lnTo>
+                <a:lnTo>
+                  <a:pt x="16473" y="8808"/>
+                </a:lnTo>
+                <a:lnTo>
+                  <a:pt x="16595" y="8346"/>
+                </a:lnTo>
+                <a:lnTo>
+                  <a:pt x="16668" y="7884"/>
+                </a:lnTo>
+                <a:lnTo>
+                  <a:pt x="16717" y="7421"/>
+                </a:lnTo>
+                <a:lnTo>
+                  <a:pt x="16717" y="7178"/>
+                </a:lnTo>
+                <a:lnTo>
+                  <a:pt x="16692" y="6959"/>
+                </a:lnTo>
+                <a:lnTo>
+                  <a:pt x="16595" y="6497"/>
+                </a:lnTo>
+                <a:lnTo>
+                  <a:pt x="16473" y="6035"/>
+                </a:lnTo>
+                <a:lnTo>
+                  <a:pt x="16352" y="5597"/>
+                </a:lnTo>
+                <a:lnTo>
+                  <a:pt x="16206" y="5134"/>
+                </a:lnTo>
+                <a:lnTo>
+                  <a:pt x="16084" y="4672"/>
+                </a:lnTo>
+                <a:lnTo>
+                  <a:pt x="15962" y="4210"/>
+                </a:lnTo>
+                <a:lnTo>
+                  <a:pt x="15792" y="3772"/>
+                </a:lnTo>
+                <a:lnTo>
+                  <a:pt x="15597" y="3358"/>
+                </a:lnTo>
+                <a:lnTo>
+                  <a:pt x="15354" y="2993"/>
+                </a:lnTo>
+                <a:lnTo>
+                  <a:pt x="15062" y="2652"/>
+                </a:lnTo>
+                <a:lnTo>
+                  <a:pt x="14770" y="2336"/>
+                </a:lnTo>
+                <a:lnTo>
+                  <a:pt x="14429" y="2044"/>
+                </a:lnTo>
+                <a:lnTo>
+                  <a:pt x="14089" y="1776"/>
+                </a:lnTo>
+                <a:lnTo>
+                  <a:pt x="13724" y="1509"/>
+                </a:lnTo>
+                <a:lnTo>
+                  <a:pt x="13334" y="1265"/>
+                </a:lnTo>
+                <a:lnTo>
+                  <a:pt x="12969" y="1046"/>
+                </a:lnTo>
+                <a:lnTo>
+                  <a:pt x="12580" y="827"/>
+                </a:lnTo>
+                <a:lnTo>
+                  <a:pt x="12166" y="633"/>
+                </a:lnTo>
+                <a:lnTo>
+                  <a:pt x="11777" y="487"/>
+                </a:lnTo>
+                <a:lnTo>
+                  <a:pt x="11363" y="341"/>
+                </a:lnTo>
+                <a:lnTo>
+                  <a:pt x="10950" y="219"/>
+                </a:lnTo>
+                <a:lnTo>
+                  <a:pt x="10512" y="146"/>
+                </a:lnTo>
+                <a:lnTo>
+                  <a:pt x="10074" y="73"/>
+                </a:lnTo>
+                <a:lnTo>
+                  <a:pt x="9271" y="0"/>
+                </a:lnTo>
+                <a:close/>
+              </a:path>
+            </a:pathLst>
+          </a:custGeom>
+          <a:solidFill>
+            <a:srgbClr val="FFFFFF"/>
+          </a:solidFill>
+          <a:ln>
+            <a:noFill/>
+          </a:ln>
+        </p:spPr>
+        <p:txBody>
+          <a:bodyPr anchorCtr="0" anchor="ctr" bIns="91425" lIns="91425" spcFirstLastPara="1" rIns="91425" wrap="square" tIns="91425">
+            <a:noAutofit/>
+          </a:bodyPr>
+          <a:lstStyle/>
+          <a:p>
+            <a:pPr indent="0" lvl="0" marL="0" rtl="0" algn="l">
+              <a:spcBef>
+                <a:spcPts val="0"/>
+              </a:spcBef>
+              <a:spcAft>
+                <a:spcPts val="0"/>
+              </a:spcAft>
+              <a:buNone/>
+            </a:pPr>
+            <a:r>
+              <a:t/>
+            </a:r>
+            <a:endParaRPr/>
+          </a:p>
+        </p:txBody>
+      </p:sp>
+      <p:pic>
+        <p:nvPicPr>
+          <p:cNvPr id="103" name="Google Shape;103;p19"/>
+          <p:cNvPicPr preferRelativeResize="0"/>
+          <p:nvPr/>
+        </p:nvPicPr>
+        <p:blipFill>
+          <a:blip r:embed="rId3">
+            <a:alphaModFix/>
+          </a:blip>
+          <a:stretch>
+            <a:fillRect/>
+          </a:stretch>
+        </p:blipFill>
+        <p:spPr>
+          <a:xfrm>
+            <a:off x="3247688" y="1102325"/>
+            <a:ext cx="2648625" cy="2468200"/>
+          </a:xfrm>
+          <a:prstGeom prst="rect">
+            <a:avLst/>
+          </a:prstGeom>
+          <a:noFill/>
+          <a:ln>
+            <a:noFill/>
+          </a:ln>
+        </p:spPr>
+      </p:pic>
+      <p:sp>
+        <p:nvSpPr>
+          <p:cNvPr id="104" name="Google Shape;104;p19"/>
+          <p:cNvSpPr txBox="1"/>
+          <p:nvPr/>
+        </p:nvSpPr>
+        <p:spPr>
+          <a:xfrm>
+            <a:off x="1557825" y="3719975"/>
+            <a:ext cx="5814900" cy="819000"/>
+          </a:xfrm>
+          <a:prstGeom prst="rect">
+            <a:avLst/>
+          </a:prstGeom>
+          <a:noFill/>
+          <a:ln>
+            <a:noFill/>
+          </a:ln>
+        </p:spPr>
+        <p:txBody>
+          <a:bodyPr anchorCtr="0" anchor="t" bIns="91425" lIns="91425" spcFirstLastPara="1" rIns="91425" wrap="square" tIns="91425">
+            <a:noAutofit/>
+          </a:bodyPr>
+          <a:lstStyle/>
+          <a:p>
+            <a:pPr indent="0" lvl="0" marL="0" rtl="0" algn="ctr">
+              <a:spcBef>
+                <a:spcPts val="0"/>
+              </a:spcBef>
+              <a:spcAft>
+                <a:spcPts val="0"/>
+              </a:spcAft>
+              <a:buClr>
+                <a:schemeClr val="dk1"/>
+              </a:buClr>
+              <a:buSzPts val="1100"/>
+              <a:buFont typeface="Arial"/>
+              <a:buNone/>
+            </a:pPr>
+            <a:r>
+              <a:rPr lang="en" sz="3000">
+                <a:solidFill>
+                  <a:schemeClr val="lt1"/>
+                </a:solidFill>
+                <a:latin typeface="Montserrat ExtraBold"/>
+                <a:ea typeface="Montserrat ExtraBold"/>
+                <a:cs typeface="Montserrat ExtraBold"/>
+                <a:sym typeface="Montserrat ExtraBold"/>
+              </a:rPr>
+              <a:t>PADRÃO MVC</a:t>
+            </a:r>
+            <a:endParaRPr sz="3000">
+              <a:solidFill>
+                <a:schemeClr val="lt1"/>
+              </a:solidFill>
+              <a:latin typeface="Montserrat ExtraBold"/>
+              <a:ea typeface="Montserrat ExtraBold"/>
+              <a:cs typeface="Montserrat ExtraBold"/>
+              <a:sym typeface="Montserrat ExtraBold"/>
+            </a:endParaRPr>
+          </a:p>
+        </p:txBody>
+      </p:sp>
+    </p:spTree>
+  </p:cSld>
+  <p:clrMapOvr>
+    <a:masterClrMapping/>
+  </p:clrMapOvr>
+</p:sld>
+</file>
+
+<file path=ppt/slides/slide8.xml><?xml version="1.0" encoding="utf-8"?>
+<p:sld xmlns:a="http://schemas.openxmlformats.org/drawingml/2006/main" xmlns:r="http://schemas.openxmlformats.org/officeDocument/2006/relationships" xmlns:mc="http://schemas.openxmlformats.org/markup-compatibility/2006" xmlns:mv="urn:schemas-microsoft-com:mac:vml" xmlns:p="http://schemas.openxmlformats.org/presentationml/2006/main" xmlns:c="http://schemas.openxmlformats.org/drawingml/2006/chart" xmlns:dgm="http://schemas.openxmlformats.org/drawingml/2006/diagram" xmlns:o="urn:schemas-microsoft-com:office:office" xmlns:v="urn:schemas-microsoft-com:vml" xmlns:pvml="urn:schemas-microsoft-com:office:powerpoint" xmlns:com="http://schemas.openxmlformats.org/drawingml/2006/compatibility" xmlns:p14="http://schemas.microsoft.com/office/powerpoint/2010/main" xmlns:p15="http://schemas.microsoft.com/office/powerpoint/2012/main">
+  <p:cSld>
+    <p:bg>
+      <p:bgPr>
+        <a:gradFill>
+          <a:gsLst>
+            <a:gs pos="0">
+              <a:srgbClr val="3C78D8"/>
+            </a:gs>
+            <a:gs pos="100000">
+              <a:srgbClr val="00FFFF"/>
+            </a:gs>
+          </a:gsLst>
+          <a:lin ang="5400700" scaled="0"/>
+        </a:gradFill>
+      </p:bgPr>
+    </p:bg>
+    <p:spTree>
+      <p:nvGrpSpPr>
+        <p:cNvPr id="108" name="Shape 108"/>
+        <p:cNvGrpSpPr/>
+        <p:nvPr/>
+      </p:nvGrpSpPr>
+      <p:grpSpPr>
+        <a:xfrm>
+          <a:off x="0" y="0"/>
+          <a:ext cx="0" cy="0"/>
+          <a:chOff x="0" y="0"/>
+          <a:chExt cx="0" cy="0"/>
+        </a:xfrm>
+      </p:grpSpPr>
+      <p:sp>
+        <p:nvSpPr>
+          <p:cNvPr id="109" name="Google Shape;109;p20"/>
+          <p:cNvSpPr txBox="1"/>
+          <p:nvPr>
             <p:ph type="title"/>
           </p:nvPr>
         </p:nvSpPr>
@@ -9885,7 +10418,7 @@
       </p:sp>
       <p:sp>
         <p:nvSpPr>
-          <p:cNvPr id="102" name="Google Shape;102;p19"/>
+          <p:cNvPr id="110" name="Google Shape;110;p20"/>
           <p:cNvSpPr txBox="1"/>
           <p:nvPr>
             <p:ph idx="1" type="body"/>
@@ -9925,7 +10458,7 @@
       </p:sp>
       <p:sp>
         <p:nvSpPr>
-          <p:cNvPr id="103" name="Google Shape;103;p19"/>
+          <p:cNvPr id="111" name="Google Shape;111;p20"/>
           <p:cNvSpPr txBox="1"/>
           <p:nvPr>
             <p:ph idx="12" type="sldNum"/>
@@ -9976,7 +10509,7 @@
 </p:sld>
 </file>
 
-<file path=ppt/slides/slide8.xml><?xml version="1.0" encoding="utf-8"?>
+<file path=ppt/slides/slide9.xml><?xml version="1.0" encoding="utf-8"?>
 <p:sld xmlns:a="http://schemas.openxmlformats.org/drawingml/2006/main" xmlns:r="http://schemas.openxmlformats.org/officeDocument/2006/relationships" xmlns:mc="http://schemas.openxmlformats.org/markup-compatibility/2006" xmlns:mv="urn:schemas-microsoft-com:mac:vml" xmlns:p="http://schemas.openxmlformats.org/presentationml/2006/main" xmlns:c="http://schemas.openxmlformats.org/drawingml/2006/chart" xmlns:dgm="http://schemas.openxmlformats.org/drawingml/2006/diagram" xmlns:o="urn:schemas-microsoft-com:office:office" xmlns:v="urn:schemas-microsoft-com:vml" xmlns:pvml="urn:schemas-microsoft-com:office:powerpoint" xmlns:com="http://schemas.openxmlformats.org/drawingml/2006/compatibility" xmlns:p14="http://schemas.microsoft.com/office/powerpoint/2010/main" xmlns:p15="http://schemas.microsoft.com/office/powerpoint/2012/main">
   <p:cSld>
     <p:bg>
@@ -9996,7 +10529,7 @@
     </p:bg>
     <p:spTree>
       <p:nvGrpSpPr>
-        <p:cNvPr id="107" name="Shape 107"/>
+        <p:cNvPr id="115" name="Shape 115"/>
         <p:cNvGrpSpPr/>
         <p:nvPr/>
       </p:nvGrpSpPr>
@@ -10010,7 +10543,7 @@
       </p:grpSpPr>
       <p:sp>
         <p:nvSpPr>
-          <p:cNvPr id="108" name="Google Shape;108;p20"/>
+          <p:cNvPr id="116" name="Google Shape;116;p21"/>
           <p:cNvSpPr txBox="1"/>
           <p:nvPr>
             <p:ph idx="1" type="body"/>
@@ -10209,7 +10742,7 @@
       </p:sp>
       <p:sp>
         <p:nvSpPr>
-          <p:cNvPr id="109" name="Google Shape;109;p20"/>
+          <p:cNvPr id="117" name="Google Shape;117;p21"/>
           <p:cNvSpPr txBox="1"/>
           <p:nvPr>
             <p:ph type="title"/>
@@ -10249,7 +10782,7 @@
       </p:sp>
       <p:sp>
         <p:nvSpPr>
-          <p:cNvPr id="110" name="Google Shape;110;p20"/>
+          <p:cNvPr id="118" name="Google Shape;118;p21"/>
           <p:cNvSpPr txBox="1"/>
           <p:nvPr>
             <p:ph idx="12" type="sldNum"/>
@@ -10284,378 +10817,6 @@
               <a:t>‹#›</a:t>
             </a:fld>
             <a:endParaRPr/>
-          </a:p>
-        </p:txBody>
-      </p:sp>
-    </p:spTree>
-  </p:cSld>
-  <p:clrMapOvr>
-    <a:masterClrMapping/>
-  </p:clrMapOvr>
-</p:sld>
-</file>
-
-<file path=ppt/slides/slide9.xml><?xml version="1.0" encoding="utf-8"?>
-<p:sld xmlns:a="http://schemas.openxmlformats.org/drawingml/2006/main" xmlns:r="http://schemas.openxmlformats.org/officeDocument/2006/relationships" xmlns:mc="http://schemas.openxmlformats.org/markup-compatibility/2006" xmlns:mv="urn:schemas-microsoft-com:mac:vml" xmlns:p="http://schemas.openxmlformats.org/presentationml/2006/main" xmlns:c="http://schemas.openxmlformats.org/drawingml/2006/chart" xmlns:dgm="http://schemas.openxmlformats.org/drawingml/2006/diagram" xmlns:o="urn:schemas-microsoft-com:office:office" xmlns:v="urn:schemas-microsoft-com:vml" xmlns:pvml="urn:schemas-microsoft-com:office:powerpoint" xmlns:com="http://schemas.openxmlformats.org/drawingml/2006/compatibility" xmlns:p14="http://schemas.microsoft.com/office/powerpoint/2010/main" xmlns:p15="http://schemas.microsoft.com/office/powerpoint/2012/main">
-  <p:cSld>
-    <p:bg>
-      <p:bgPr>
-        <a:gradFill>
-          <a:gsLst>
-            <a:gs pos="0">
-              <a:srgbClr val="FF8700"/>
-            </a:gs>
-            <a:gs pos="100000">
-              <a:srgbClr val="FFD900"/>
-            </a:gs>
-          </a:gsLst>
-          <a:lin ang="5400700" scaled="0"/>
-        </a:gradFill>
-      </p:bgPr>
-    </p:bg>
-    <p:spTree>
-      <p:nvGrpSpPr>
-        <p:cNvPr id="114" name="Shape 114"/>
-        <p:cNvGrpSpPr/>
-        <p:nvPr/>
-      </p:nvGrpSpPr>
-      <p:grpSpPr>
-        <a:xfrm>
-          <a:off x="0" y="0"/>
-          <a:ext cx="0" cy="0"/>
-          <a:chOff x="0" y="0"/>
-          <a:chExt cx="0" cy="0"/>
-        </a:xfrm>
-      </p:grpSpPr>
-      <p:sp>
-        <p:nvSpPr>
-          <p:cNvPr id="115" name="Google Shape;115;p21"/>
-          <p:cNvSpPr txBox="1"/>
-          <p:nvPr>
-            <p:ph type="title"/>
-          </p:nvPr>
-        </p:nvSpPr>
-        <p:spPr>
-          <a:xfrm>
-            <a:off x="699000" y="911700"/>
-            <a:ext cx="2020800" cy="3327600"/>
-          </a:xfrm>
-          <a:prstGeom prst="rect">
-            <a:avLst/>
-          </a:prstGeom>
-        </p:spPr>
-        <p:txBody>
-          <a:bodyPr anchorCtr="0" anchor="ctr" bIns="0" lIns="0" spcFirstLastPara="1" rIns="0" wrap="square" tIns="0">
-            <a:noAutofit/>
-          </a:bodyPr>
-          <a:lstStyle/>
-          <a:p>
-            <a:pPr indent="0" lvl="0" marL="0" rtl="0" algn="ctr">
-              <a:spcBef>
-                <a:spcPts val="0"/>
-              </a:spcBef>
-              <a:spcAft>
-                <a:spcPts val="0"/>
-              </a:spcAft>
-              <a:buNone/>
-            </a:pPr>
-            <a:r>
-              <a:rPr lang="en"/>
-              <a:t>MODELS</a:t>
-            </a:r>
-            <a:endParaRPr/>
-          </a:p>
-        </p:txBody>
-      </p:sp>
-      <p:sp>
-        <p:nvSpPr>
-          <p:cNvPr id="116" name="Google Shape;116;p21"/>
-          <p:cNvSpPr txBox="1"/>
-          <p:nvPr>
-            <p:ph idx="12" type="sldNum"/>
-          </p:nvPr>
-        </p:nvSpPr>
-        <p:spPr>
-          <a:xfrm>
-            <a:off x="8480584" y="4749851"/>
-            <a:ext cx="548700" cy="393600"/>
-          </a:xfrm>
-          <a:prstGeom prst="rect">
-            <a:avLst/>
-          </a:prstGeom>
-        </p:spPr>
-        <p:txBody>
-          <a:bodyPr anchorCtr="0" anchor="ctr" bIns="0" lIns="0" spcFirstLastPara="1" rIns="0" wrap="square" tIns="0">
-            <a:noAutofit/>
-          </a:bodyPr>
-          <a:lstStyle/>
-          <a:p>
-            <a:pPr indent="0" lvl="0" marL="0" rtl="0" algn="r">
-              <a:spcBef>
-                <a:spcPts val="0"/>
-              </a:spcBef>
-              <a:spcAft>
-                <a:spcPts val="0"/>
-              </a:spcAft>
-              <a:buNone/>
-            </a:pPr>
-            <a:fld id="{00000000-1234-1234-1234-123412341234}" type="slidenum">
-              <a:rPr lang="en"/>
-              <a:t>‹#›</a:t>
-            </a:fld>
-            <a:endParaRPr/>
-          </a:p>
-        </p:txBody>
-      </p:sp>
-      <p:sp>
-        <p:nvSpPr>
-          <p:cNvPr id="117" name="Google Shape;117;p21"/>
-          <p:cNvSpPr txBox="1"/>
-          <p:nvPr/>
-        </p:nvSpPr>
-        <p:spPr>
-          <a:xfrm>
-            <a:off x="3350868" y="395647"/>
-            <a:ext cx="6663600" cy="4747800"/>
-          </a:xfrm>
-          <a:prstGeom prst="rect">
-            <a:avLst/>
-          </a:prstGeom>
-          <a:noFill/>
-          <a:ln>
-            <a:noFill/>
-          </a:ln>
-        </p:spPr>
-        <p:txBody>
-          <a:bodyPr anchorCtr="0" anchor="ctr" bIns="91425" lIns="91425" spcFirstLastPara="1" rIns="91425" wrap="square" tIns="91425">
-            <a:noAutofit/>
-          </a:bodyPr>
-          <a:lstStyle/>
-          <a:p>
-            <a:pPr indent="-419100" lvl="0" marL="914400" rtl="0" algn="l">
-              <a:lnSpc>
-                <a:spcPct val="120000"/>
-              </a:lnSpc>
-              <a:spcBef>
-                <a:spcPts val="600"/>
-              </a:spcBef>
-              <a:spcAft>
-                <a:spcPts val="0"/>
-              </a:spcAft>
-              <a:buClr>
-                <a:srgbClr val="695D46"/>
-              </a:buClr>
-              <a:buSzPts val="3000"/>
-              <a:buFont typeface="Montserrat"/>
-              <a:buChar char="●"/>
-            </a:pPr>
-            <a:r>
-              <a:rPr lang="en" sz="3000">
-                <a:solidFill>
-                  <a:srgbClr val="695D46"/>
-                </a:solidFill>
-                <a:latin typeface="Montserrat"/>
-                <a:ea typeface="Montserrat"/>
-                <a:cs typeface="Montserrat"/>
-                <a:sym typeface="Montserrat"/>
-              </a:rPr>
-              <a:t>Baralho</a:t>
-            </a:r>
-            <a:endParaRPr sz="3000">
-              <a:solidFill>
-                <a:srgbClr val="695D46"/>
-              </a:solidFill>
-              <a:latin typeface="Montserrat"/>
-              <a:ea typeface="Montserrat"/>
-              <a:cs typeface="Montserrat"/>
-              <a:sym typeface="Montserrat"/>
-            </a:endParaRPr>
-          </a:p>
-          <a:p>
-            <a:pPr indent="-419100" lvl="0" marL="914400" rtl="0" algn="l">
-              <a:lnSpc>
-                <a:spcPct val="120000"/>
-              </a:lnSpc>
-              <a:spcBef>
-                <a:spcPts val="0"/>
-              </a:spcBef>
-              <a:spcAft>
-                <a:spcPts val="0"/>
-              </a:spcAft>
-              <a:buClr>
-                <a:srgbClr val="695D46"/>
-              </a:buClr>
-              <a:buSzPts val="3000"/>
-              <a:buFont typeface="Montserrat"/>
-              <a:buChar char="●"/>
-            </a:pPr>
-            <a:r>
-              <a:rPr lang="en" sz="3000">
-                <a:solidFill>
-                  <a:srgbClr val="695D46"/>
-                </a:solidFill>
-                <a:latin typeface="Montserrat"/>
-                <a:ea typeface="Montserrat"/>
-                <a:cs typeface="Montserrat"/>
-                <a:sym typeface="Montserrat"/>
-              </a:rPr>
-              <a:t>Carta</a:t>
-            </a:r>
-            <a:endParaRPr sz="3000">
-              <a:solidFill>
-                <a:srgbClr val="695D46"/>
-              </a:solidFill>
-              <a:latin typeface="Montserrat"/>
-              <a:ea typeface="Montserrat"/>
-              <a:cs typeface="Montserrat"/>
-              <a:sym typeface="Montserrat"/>
-            </a:endParaRPr>
-          </a:p>
-          <a:p>
-            <a:pPr indent="-419100" lvl="0" marL="914400" rtl="0" algn="l">
-              <a:lnSpc>
-                <a:spcPct val="120000"/>
-              </a:lnSpc>
-              <a:spcBef>
-                <a:spcPts val="0"/>
-              </a:spcBef>
-              <a:spcAft>
-                <a:spcPts val="0"/>
-              </a:spcAft>
-              <a:buClr>
-                <a:srgbClr val="695D46"/>
-              </a:buClr>
-              <a:buSzPts val="3000"/>
-              <a:buFont typeface="Montserrat"/>
-              <a:buChar char="●"/>
-            </a:pPr>
-            <a:r>
-              <a:rPr lang="en" sz="3000">
-                <a:solidFill>
-                  <a:srgbClr val="695D46"/>
-                </a:solidFill>
-                <a:latin typeface="Montserrat"/>
-                <a:ea typeface="Montserrat"/>
-                <a:cs typeface="Montserrat"/>
-                <a:sym typeface="Montserrat"/>
-              </a:rPr>
-              <a:t>CartaNaMesa</a:t>
-            </a:r>
-            <a:endParaRPr sz="3000">
-              <a:solidFill>
-                <a:srgbClr val="695D46"/>
-              </a:solidFill>
-              <a:latin typeface="Montserrat"/>
-              <a:ea typeface="Montserrat"/>
-              <a:cs typeface="Montserrat"/>
-              <a:sym typeface="Montserrat"/>
-            </a:endParaRPr>
-          </a:p>
-          <a:p>
-            <a:pPr indent="-419100" lvl="0" marL="914400" rtl="0" algn="l">
-              <a:lnSpc>
-                <a:spcPct val="120000"/>
-              </a:lnSpc>
-              <a:spcBef>
-                <a:spcPts val="0"/>
-              </a:spcBef>
-              <a:spcAft>
-                <a:spcPts val="0"/>
-              </a:spcAft>
-              <a:buClr>
-                <a:srgbClr val="695D46"/>
-              </a:buClr>
-              <a:buSzPts val="3000"/>
-              <a:buFont typeface="Montserrat"/>
-              <a:buChar char="●"/>
-            </a:pPr>
-            <a:r>
-              <a:rPr lang="en" sz="3000">
-                <a:solidFill>
-                  <a:srgbClr val="695D46"/>
-                </a:solidFill>
-                <a:latin typeface="Montserrat"/>
-                <a:ea typeface="Montserrat"/>
-                <a:cs typeface="Montserrat"/>
-                <a:sym typeface="Montserrat"/>
-              </a:rPr>
-              <a:t>Jogador</a:t>
-            </a:r>
-            <a:endParaRPr sz="3000">
-              <a:solidFill>
-                <a:srgbClr val="695D46"/>
-              </a:solidFill>
-              <a:latin typeface="Montserrat"/>
-              <a:ea typeface="Montserrat"/>
-              <a:cs typeface="Montserrat"/>
-              <a:sym typeface="Montserrat"/>
-            </a:endParaRPr>
-          </a:p>
-          <a:p>
-            <a:pPr indent="-419100" lvl="0" marL="914400" rtl="0" algn="l">
-              <a:lnSpc>
-                <a:spcPct val="120000"/>
-              </a:lnSpc>
-              <a:spcBef>
-                <a:spcPts val="0"/>
-              </a:spcBef>
-              <a:spcAft>
-                <a:spcPts val="0"/>
-              </a:spcAft>
-              <a:buClr>
-                <a:srgbClr val="695D46"/>
-              </a:buClr>
-              <a:buSzPts val="3000"/>
-              <a:buFont typeface="Montserrat"/>
-              <a:buChar char="●"/>
-            </a:pPr>
-            <a:r>
-              <a:rPr lang="en" sz="3000">
-                <a:solidFill>
-                  <a:srgbClr val="695D46"/>
-                </a:solidFill>
-                <a:latin typeface="Montserrat"/>
-                <a:ea typeface="Montserrat"/>
-                <a:cs typeface="Montserrat"/>
-                <a:sym typeface="Montserrat"/>
-              </a:rPr>
-              <a:t>Mesa</a:t>
-            </a:r>
-            <a:endParaRPr sz="3000">
-              <a:solidFill>
-                <a:srgbClr val="695D46"/>
-              </a:solidFill>
-              <a:latin typeface="Montserrat"/>
-              <a:ea typeface="Montserrat"/>
-              <a:cs typeface="Montserrat"/>
-              <a:sym typeface="Montserrat"/>
-            </a:endParaRPr>
-          </a:p>
-          <a:p>
-            <a:pPr indent="0" lvl="0" marL="0" rtl="0" algn="ctr">
-              <a:lnSpc>
-                <a:spcPct val="115000"/>
-              </a:lnSpc>
-              <a:spcBef>
-                <a:spcPts val="0"/>
-              </a:spcBef>
-              <a:spcAft>
-                <a:spcPts val="0"/>
-              </a:spcAft>
-              <a:buNone/>
-            </a:pPr>
-            <a:r>
-              <a:t/>
-            </a:r>
-            <a:endParaRPr sz="1200">
-              <a:solidFill>
-                <a:srgbClr val="666666"/>
-              </a:solidFill>
-              <a:latin typeface="Montserrat ExtraBold"/>
-              <a:ea typeface="Montserrat ExtraBold"/>
-              <a:cs typeface="Montserrat ExtraBold"/>
-              <a:sym typeface="Montserrat ExtraBold"/>
-            </a:endParaRPr>
           </a:p>
         </p:txBody>
       </p:sp>
